--- a/ACIT-4880-Introduction-to-Data-Analytics/Presentation2 4880.pptx
+++ b/ACIT-4880-Introduction-to-Data-Analytics/Presentation2 4880.pptx
@@ -5,19 +5,18 @@
     <p:sldMasterId id="2147483648" r:id="rId4"/>
   </p:sldMasterIdLst>
   <p:notesMasterIdLst>
-    <p:notesMasterId r:id="rId15"/>
+    <p:notesMasterId r:id="rId14"/>
   </p:notesMasterIdLst>
   <p:sldIdLst>
     <p:sldId id="256" r:id="rId5"/>
     <p:sldId id="257" r:id="rId6"/>
-    <p:sldId id="282" r:id="rId7"/>
-    <p:sldId id="258" r:id="rId8"/>
-    <p:sldId id="279" r:id="rId9"/>
-    <p:sldId id="280" r:id="rId10"/>
-    <p:sldId id="278" r:id="rId11"/>
-    <p:sldId id="281" r:id="rId12"/>
-    <p:sldId id="284" r:id="rId13"/>
-    <p:sldId id="275" r:id="rId14"/>
+    <p:sldId id="258" r:id="rId7"/>
+    <p:sldId id="279" r:id="rId8"/>
+    <p:sldId id="280" r:id="rId9"/>
+    <p:sldId id="278" r:id="rId10"/>
+    <p:sldId id="281" r:id="rId11"/>
+    <p:sldId id="284" r:id="rId12"/>
+    <p:sldId id="275" r:id="rId13"/>
   </p:sldIdLst>
   <p:sldSz cx="12192000" cy="6858000"/>
   <p:notesSz cx="6858000" cy="9144000"/>
@@ -218,7 +217,7 @@
           <a:p>
             <a:fld id="{7487ADD9-2083-264C-A652-8D52D02F7E72}" type="datetimeFigureOut">
               <a:rPr lang="en-US" smtClean="0"/>
-              <a:t>4/10/2024</a:t>
+              <a:t>4/11/2024</a:t>
             </a:fld>
             <a:endParaRPr lang="en-US" dirty="0"/>
           </a:p>
@@ -643,7 +642,7 @@
     </p:spTree>
     <p:extLst>
       <p:ext uri="{BB962C8B-B14F-4D97-AF65-F5344CB8AC3E}">
-        <p14:creationId xmlns:p14="http://schemas.microsoft.com/office/powerpoint/2010/main" val="2824471755"/>
+        <p14:creationId xmlns:p14="http://schemas.microsoft.com/office/powerpoint/2010/main" val="263711327"/>
       </p:ext>
     </p:extLst>
   </p:cSld>
@@ -727,7 +726,7 @@
     </p:spTree>
     <p:extLst>
       <p:ext uri="{BB962C8B-B14F-4D97-AF65-F5344CB8AC3E}">
-        <p14:creationId xmlns:p14="http://schemas.microsoft.com/office/powerpoint/2010/main" val="263711327"/>
+        <p14:creationId xmlns:p14="http://schemas.microsoft.com/office/powerpoint/2010/main" val="4025048060"/>
       </p:ext>
     </p:extLst>
   </p:cSld>
@@ -811,7 +810,7 @@
     </p:spTree>
     <p:extLst>
       <p:ext uri="{BB962C8B-B14F-4D97-AF65-F5344CB8AC3E}">
-        <p14:creationId xmlns:p14="http://schemas.microsoft.com/office/powerpoint/2010/main" val="4025048060"/>
+        <p14:creationId xmlns:p14="http://schemas.microsoft.com/office/powerpoint/2010/main" val="485178170"/>
       </p:ext>
     </p:extLst>
   </p:cSld>
@@ -895,7 +894,7 @@
     </p:spTree>
     <p:extLst>
       <p:ext uri="{BB962C8B-B14F-4D97-AF65-F5344CB8AC3E}">
-        <p14:creationId xmlns:p14="http://schemas.microsoft.com/office/powerpoint/2010/main" val="485178170"/>
+        <p14:creationId xmlns:p14="http://schemas.microsoft.com/office/powerpoint/2010/main" val="2057805372"/>
       </p:ext>
     </p:extLst>
   </p:cSld>
@@ -979,7 +978,7 @@
     </p:spTree>
     <p:extLst>
       <p:ext uri="{BB962C8B-B14F-4D97-AF65-F5344CB8AC3E}">
-        <p14:creationId xmlns:p14="http://schemas.microsoft.com/office/powerpoint/2010/main" val="2057805372"/>
+        <p14:creationId xmlns:p14="http://schemas.microsoft.com/office/powerpoint/2010/main" val="1978628604"/>
       </p:ext>
     </p:extLst>
   </p:cSld>
@@ -1055,90 +1054,6 @@
             <a:fld id="{F97DC217-DF71-1A49-B3EA-559F1F43B0FF}" type="slidenum">
               <a:rPr lang="en-US" smtClean="0"/>
               <a:t>8</a:t>
-            </a:fld>
-            <a:endParaRPr lang="en-US" dirty="0"/>
-          </a:p>
-        </p:txBody>
-      </p:sp>
-    </p:spTree>
-    <p:extLst>
-      <p:ext uri="{BB962C8B-B14F-4D97-AF65-F5344CB8AC3E}">
-        <p14:creationId xmlns:p14="http://schemas.microsoft.com/office/powerpoint/2010/main" val="1978628604"/>
-      </p:ext>
-    </p:extLst>
-  </p:cSld>
-  <p:clrMapOvr>
-    <a:masterClrMapping/>
-  </p:clrMapOvr>
-</p:notes>
-</file>
-
-<file path=ppt/notesSlides/notesSlide8.xml><?xml version="1.0" encoding="utf-8"?>
-<p:notes xmlns:a="http://schemas.openxmlformats.org/drawingml/2006/main" xmlns:r="http://schemas.openxmlformats.org/officeDocument/2006/relationships" xmlns:p="http://schemas.openxmlformats.org/presentationml/2006/main">
-  <p:cSld>
-    <p:spTree>
-      <p:nvGrpSpPr>
-        <p:cNvPr id="1" name=""/>
-        <p:cNvGrpSpPr/>
-        <p:nvPr/>
-      </p:nvGrpSpPr>
-      <p:grpSpPr>
-        <a:xfrm>
-          <a:off x="0" y="0"/>
-          <a:ext cx="0" cy="0"/>
-          <a:chOff x="0" y="0"/>
-          <a:chExt cx="0" cy="0"/>
-        </a:xfrm>
-      </p:grpSpPr>
-      <p:sp>
-        <p:nvSpPr>
-          <p:cNvPr id="2" name="Slide Image Placeholder 1"/>
-          <p:cNvSpPr>
-            <a:spLocks noGrp="1" noRot="1" noChangeAspect="1"/>
-          </p:cNvSpPr>
-          <p:nvPr>
-            <p:ph type="sldImg"/>
-          </p:nvPr>
-        </p:nvSpPr>
-        <p:spPr/>
-      </p:sp>
-      <p:sp>
-        <p:nvSpPr>
-          <p:cNvPr id="3" name="Notes Placeholder 2"/>
-          <p:cNvSpPr>
-            <a:spLocks noGrp="1"/>
-          </p:cNvSpPr>
-          <p:nvPr>
-            <p:ph type="body" idx="1"/>
-          </p:nvPr>
-        </p:nvSpPr>
-        <p:spPr/>
-        <p:txBody>
-          <a:bodyPr/>
-          <a:lstStyle/>
-          <a:p>
-            <a:endParaRPr lang="en-CA" dirty="0"/>
-          </a:p>
-        </p:txBody>
-      </p:sp>
-      <p:sp>
-        <p:nvSpPr>
-          <p:cNvPr id="4" name="Slide Number Placeholder 3"/>
-          <p:cNvSpPr>
-            <a:spLocks noGrp="1"/>
-          </p:cNvSpPr>
-          <p:nvPr>
-            <p:ph type="sldNum" sz="quarter" idx="5"/>
-          </p:nvPr>
-        </p:nvSpPr>
-        <p:spPr/>
-        <p:txBody>
-          <a:bodyPr/>
-          <a:lstStyle/>
-          <a:p>
-            <a:fld id="{F97DC217-DF71-1A49-B3EA-559F1F43B0FF}" type="slidenum">
-              <a:rPr lang="en-US" smtClean="0"/>
-              <a:t>9</a:t>
             </a:fld>
             <a:endParaRPr lang="en-US" dirty="0"/>
           </a:p>
@@ -2546,7 +2461,7 @@
           <a:p>
             <a:fld id="{AE46C21D-EBB5-4F3D-B06D-166777189317}" type="datetime1">
               <a:rPr lang="en-US" smtClean="0"/>
-              <a:t>4/10/2024</a:t>
+              <a:t>4/11/2024</a:t>
             </a:fld>
             <a:endParaRPr lang="en-US" dirty="0"/>
           </a:p>
@@ -3430,7 +3345,7 @@
           <a:p>
             <a:fld id="{1DFFEA26-EB1D-498C-95CD-1ECE586790AA}" type="datetime1">
               <a:rPr lang="en-US" smtClean="0"/>
-              <a:t>4/10/2024</a:t>
+              <a:t>4/11/2024</a:t>
             </a:fld>
             <a:endParaRPr lang="en-US" dirty="0"/>
           </a:p>
@@ -4606,7 +4521,7 @@
           <a:p>
             <a:fld id="{539842EE-D56F-4F18-94E7-094CEF23F906}" type="datetime1">
               <a:rPr lang="en-US" smtClean="0"/>
-              <a:t>4/10/2024</a:t>
+              <a:t>4/11/2024</a:t>
             </a:fld>
             <a:endParaRPr lang="en-US" dirty="0"/>
           </a:p>
@@ -6685,7 +6600,7 @@
           <a:p>
             <a:fld id="{45B08281-154C-4FEF-A6DF-18BA3AC0F374}" type="datetime1">
               <a:rPr lang="en-US" smtClean="0"/>
-              <a:t>4/10/2024</a:t>
+              <a:t>4/11/2024</a:t>
             </a:fld>
             <a:endParaRPr lang="en-US" dirty="0"/>
           </a:p>
@@ -7402,7 +7317,7 @@
           <a:p>
             <a:fld id="{04D857D4-BD7E-4A06-844B-AAD504F1114F}" type="datetime1">
               <a:rPr lang="en-US" smtClean="0"/>
-              <a:t>4/10/2024</a:t>
+              <a:t>4/11/2024</a:t>
             </a:fld>
             <a:endParaRPr lang="en-US" dirty="0"/>
           </a:p>
@@ -8629,7 +8544,7 @@
           <a:p>
             <a:fld id="{916AFA50-87A4-4E99-B112-8C6B1DFB84B2}" type="datetime1">
               <a:rPr lang="en-US" smtClean="0"/>
-              <a:t>4/10/2024</a:t>
+              <a:t>4/11/2024</a:t>
             </a:fld>
             <a:endParaRPr lang="en-US" dirty="0"/>
           </a:p>
@@ -9220,7 +9135,7 @@
           <a:p>
             <a:fld id="{6B3905CA-BF0F-4A1B-AA0D-85E42F5D5A85}" type="datetime1">
               <a:rPr lang="en-US" smtClean="0"/>
-              <a:t>4/10/2024</a:t>
+              <a:t>4/11/2024</a:t>
             </a:fld>
             <a:endParaRPr lang="en-US" dirty="0"/>
           </a:p>
@@ -9692,7 +9607,7 @@
           <a:p>
             <a:fld id="{D3DA9A77-60C0-4BB8-898D-2828EE4073AD}" type="datetime1">
               <a:rPr lang="en-US" smtClean="0"/>
-              <a:t>4/10/2024</a:t>
+              <a:t>4/11/2024</a:t>
             </a:fld>
             <a:endParaRPr lang="en-US" dirty="0"/>
           </a:p>
@@ -10541,7 +10456,7 @@
           <a:p>
             <a:fld id="{C1F30CD5-42B1-4614-9F46-5D29928CC2DB}" type="datetime1">
               <a:rPr lang="en-US" smtClean="0"/>
-              <a:t>4/10/2024</a:t>
+              <a:t>4/11/2024</a:t>
             </a:fld>
             <a:endParaRPr lang="en-US" dirty="0"/>
           </a:p>
@@ -12765,7 +12680,7 @@
           <a:p>
             <a:fld id="{EE6020E3-D95B-4E55-964F-4B1A98BDAA6F}" type="datetime1">
               <a:rPr lang="en-US" smtClean="0"/>
-              <a:t>4/10/2024</a:t>
+              <a:t>4/11/2024</a:t>
             </a:fld>
             <a:endParaRPr lang="en-US" dirty="0"/>
           </a:p>
@@ -13033,7 +12948,7 @@
           <a:p>
             <a:fld id="{FC9A72C8-1C87-42EF-8A11-BF6DFA19ED8B}" type="datetime1">
               <a:rPr lang="en-US" smtClean="0"/>
-              <a:t>4/10/2024</a:t>
+              <a:t>4/11/2024</a:t>
             </a:fld>
             <a:endParaRPr lang="en-US" dirty="0"/>
           </a:p>
@@ -13573,7 +13488,7 @@
           <a:p>
             <a:r>
               <a:rPr lang="en-US" sz="3600" dirty="0"/>
-              <a:t>Semi-Final Project Presentation: NYC Property Sales</a:t>
+              <a:t>Final Project Presentation: NYC Property Sales</a:t>
             </a:r>
           </a:p>
         </p:txBody>
@@ -13615,101 +13530,6 @@
     <p:extLst>
       <p:ext uri="{BB962C8B-B14F-4D97-AF65-F5344CB8AC3E}">
         <p14:creationId xmlns:p14="http://schemas.microsoft.com/office/powerpoint/2010/main" val="2259308896"/>
-      </p:ext>
-    </p:extLst>
-  </p:cSld>
-  <p:clrMapOvr>
-    <a:masterClrMapping/>
-  </p:clrMapOvr>
-</p:sld>
-</file>
-
-<file path=ppt/slides/slide10.xml><?xml version="1.0" encoding="utf-8"?>
-<p:sld xmlns:a="http://schemas.openxmlformats.org/drawingml/2006/main" xmlns:r="http://schemas.openxmlformats.org/officeDocument/2006/relationships" xmlns:p="http://schemas.openxmlformats.org/presentationml/2006/main">
-  <p:cSld>
-    <p:spTree>
-      <p:nvGrpSpPr>
-        <p:cNvPr id="1" name=""/>
-        <p:cNvGrpSpPr/>
-        <p:nvPr/>
-      </p:nvGrpSpPr>
-      <p:grpSpPr>
-        <a:xfrm>
-          <a:off x="0" y="0"/>
-          <a:ext cx="0" cy="0"/>
-          <a:chOff x="0" y="0"/>
-          <a:chExt cx="0" cy="0"/>
-        </a:xfrm>
-      </p:grpSpPr>
-      <p:sp>
-        <p:nvSpPr>
-          <p:cNvPr id="2" name="Title 1">
-            <a:extLst>
-              <a:ext uri="{FF2B5EF4-FFF2-40B4-BE49-F238E27FC236}">
-                <a16:creationId xmlns:a16="http://schemas.microsoft.com/office/drawing/2014/main" id="{69FAE308-3076-43DB-B834-DA0B0AE19AF9}"/>
-              </a:ext>
-            </a:extLst>
-          </p:cNvPr>
-          <p:cNvSpPr>
-            <a:spLocks noGrp="1"/>
-          </p:cNvSpPr>
-          <p:nvPr>
-            <p:ph type="ctrTitle"/>
-          </p:nvPr>
-        </p:nvSpPr>
-        <p:spPr>
-          <a:xfrm>
-            <a:off x="1167494" y="1122363"/>
-            <a:ext cx="6220278" cy="2387600"/>
-          </a:xfrm>
-        </p:spPr>
-        <p:txBody>
-          <a:bodyPr/>
-          <a:lstStyle/>
-          <a:p>
-            <a:r>
-              <a:rPr lang="en-US" dirty="0"/>
-              <a:t>Thank you</a:t>
-            </a:r>
-          </a:p>
-        </p:txBody>
-      </p:sp>
-      <p:sp>
-        <p:nvSpPr>
-          <p:cNvPr id="3" name="Content Placeholder 2">
-            <a:extLst>
-              <a:ext uri="{FF2B5EF4-FFF2-40B4-BE49-F238E27FC236}">
-                <a16:creationId xmlns:a16="http://schemas.microsoft.com/office/drawing/2014/main" id="{BABC2CE0-8806-4B2A-A10A-32984D317434}"/>
-              </a:ext>
-            </a:extLst>
-          </p:cNvPr>
-          <p:cNvSpPr>
-            <a:spLocks noGrp="1"/>
-          </p:cNvSpPr>
-          <p:nvPr>
-            <p:ph type="subTitle" idx="1"/>
-          </p:nvPr>
-        </p:nvSpPr>
-        <p:spPr>
-          <a:xfrm>
-            <a:off x="1167493" y="3602038"/>
-            <a:ext cx="6220277" cy="2247219"/>
-          </a:xfrm>
-        </p:spPr>
-        <p:txBody>
-          <a:bodyPr>
-            <a:normAutofit/>
-          </a:bodyPr>
-          <a:lstStyle/>
-          <a:p>
-            <a:endParaRPr lang="en-US" dirty="0"/>
-          </a:p>
-        </p:txBody>
-      </p:sp>
-    </p:spTree>
-    <p:extLst>
-      <p:ext uri="{BB962C8B-B14F-4D97-AF65-F5344CB8AC3E}">
-        <p14:creationId xmlns:p14="http://schemas.microsoft.com/office/powerpoint/2010/main" val="926184573"/>
       </p:ext>
     </p:extLst>
   </p:cSld>
@@ -13992,7 +13812,7 @@
           <p:cNvPr id="2" name="Title 1">
             <a:extLst>
               <a:ext uri="{FF2B5EF4-FFF2-40B4-BE49-F238E27FC236}">
-                <a16:creationId xmlns:a16="http://schemas.microsoft.com/office/drawing/2014/main" id="{912DF434-28DB-4621-A497-D62C41CE0419}"/>
+                <a16:creationId xmlns:a16="http://schemas.microsoft.com/office/drawing/2014/main" id="{8C543F67-9C70-4748-8C0C-3A7863422F99}"/>
               </a:ext>
             </a:extLst>
           </p:cNvPr>
@@ -14005,8 +13825,8 @@
         </p:nvSpPr>
         <p:spPr>
           <a:xfrm>
-            <a:off x="1089804" y="529417"/>
-            <a:ext cx="10003716" cy="1325563"/>
+            <a:off x="1098480" y="917506"/>
+            <a:ext cx="9512012" cy="1325563"/>
           </a:xfrm>
         </p:spPr>
         <p:txBody>
@@ -14014,19 +13834,9 @@
           <a:lstStyle/>
           <a:p>
             <a:r>
-              <a:rPr lang="en-CA" b="1" i="0" dirty="0">
-                <a:solidFill>
-                  <a:srgbClr val="202122"/>
-                </a:solidFill>
-                <a:effectLst/>
-                <a:highlight>
-                  <a:srgbClr val="FFFFFF"/>
-                </a:highlight>
-                <a:latin typeface="Lato" panose="020F0502020204030203" pitchFamily="34" charset="0"/>
-              </a:rPr>
-              <a:t>Problem Definition:</a:t>
-            </a:r>
-            <a:endParaRPr lang="en-US" dirty="0"/>
+              <a:rPr lang="en-US" dirty="0"/>
+              <a:t>Feature Scaling:</a:t>
+            </a:r>
           </a:p>
         </p:txBody>
       </p:sp>
@@ -14035,7 +13845,7 @@
           <p:cNvPr id="3" name="Content Placeholder 2">
             <a:extLst>
               <a:ext uri="{FF2B5EF4-FFF2-40B4-BE49-F238E27FC236}">
-                <a16:creationId xmlns:a16="http://schemas.microsoft.com/office/drawing/2014/main" id="{22788C46-D0BC-4307-AE55-7601A139E7CB}"/>
+                <a16:creationId xmlns:a16="http://schemas.microsoft.com/office/drawing/2014/main" id="{95B371F2-DBA5-415A-82C8-651F587B857A}"/>
               </a:ext>
             </a:extLst>
           </p:cNvPr>
@@ -14043,13 +13853,13 @@
             <a:spLocks noGrp="1"/>
           </p:cNvSpPr>
           <p:nvPr>
-            <p:ph idx="1"/>
+            <p:ph type="body" idx="1"/>
           </p:nvPr>
         </p:nvSpPr>
         <p:spPr>
           <a:xfrm>
-            <a:off x="1089804" y="4738255"/>
-            <a:ext cx="9856871" cy="646027"/>
+            <a:off x="1206408" y="2067951"/>
+            <a:ext cx="9779183" cy="3436483"/>
           </a:xfrm>
         </p:spPr>
         <p:txBody>
@@ -14058,6 +13868,34 @@
           </a:bodyPr>
           <a:lstStyle/>
           <a:p>
+            <a:r>
+              <a:rPr lang="en-US" dirty="0" err="1"/>
+              <a:t>gross_square_feet</a:t>
+            </a:r>
+            <a:r>
+              <a:rPr lang="en-US" dirty="0"/>
+              <a:t>, </a:t>
+            </a:r>
+            <a:r>
+              <a:rPr lang="en-US" dirty="0" err="1"/>
+              <a:t>residential_units</a:t>
+            </a:r>
+            <a:r>
+              <a:rPr lang="en-US" dirty="0"/>
+              <a:t>, </a:t>
+            </a:r>
+            <a:r>
+              <a:rPr lang="en-US" dirty="0" err="1"/>
+              <a:t>commercial_units</a:t>
+            </a:r>
+            <a:r>
+              <a:rPr lang="en-US" dirty="0"/>
+              <a:t>, </a:t>
+            </a:r>
+            <a:r>
+              <a:rPr lang="en-US" dirty="0" err="1"/>
+              <a:t>land_square_feet</a:t>
+            </a:r>
             <a:endParaRPr lang="en-US" dirty="0"/>
           </a:p>
         </p:txBody>
@@ -14067,7 +13905,7 @@
           <p:cNvPr id="6" name="Slide Number Placeholder 5">
             <a:extLst>
               <a:ext uri="{FF2B5EF4-FFF2-40B4-BE49-F238E27FC236}">
-                <a16:creationId xmlns:a16="http://schemas.microsoft.com/office/drawing/2014/main" id="{60D470D0-6D64-5E42-9515-048F8779CD5E}"/>
+                <a16:creationId xmlns:a16="http://schemas.microsoft.com/office/drawing/2014/main" id="{134C72D2-EFDF-844A-8472-CB49A59B127B}"/>
               </a:ext>
             </a:extLst>
           </p:cNvPr>
@@ -14075,13 +13913,13 @@
             <a:spLocks noGrp="1"/>
           </p:cNvSpPr>
           <p:nvPr>
-            <p:ph type="sldNum" sz="quarter" idx="4"/>
+            <p:ph type="sldNum" sz="quarter" idx="12"/>
           </p:nvPr>
         </p:nvSpPr>
         <p:spPr>
           <a:xfrm>
-            <a:off x="10153276" y="6356350"/>
-            <a:ext cx="1657723" cy="365125"/>
+            <a:off x="10206318" y="6356350"/>
+            <a:ext cx="1604682" cy="365125"/>
           </a:xfrm>
         </p:spPr>
         <p:txBody>
@@ -14099,10 +13937,10 @@
       </p:sp>
       <p:pic>
         <p:nvPicPr>
-          <p:cNvPr id="8" name="Picture 7">
-            <a:extLst>
-              <a:ext uri="{FF2B5EF4-FFF2-40B4-BE49-F238E27FC236}">
-                <a16:creationId xmlns:a16="http://schemas.microsoft.com/office/drawing/2014/main" id="{1A40E283-9003-C943-2A45-C0BE242314DB}"/>
+          <p:cNvPr id="4" name="Picture 3">
+            <a:extLst>
+              <a:ext uri="{FF2B5EF4-FFF2-40B4-BE49-F238E27FC236}">
+                <a16:creationId xmlns:a16="http://schemas.microsoft.com/office/drawing/2014/main" id="{A15A0D74-1909-E4EE-E85E-9566E6B41397}"/>
               </a:ext>
             </a:extLst>
           </p:cNvPr>
@@ -14119,8 +13957,8 @@
         </p:blipFill>
         <p:spPr>
           <a:xfrm>
-            <a:off x="1167493" y="1854980"/>
-            <a:ext cx="2899427" cy="2883275"/>
+            <a:off x="5967449" y="2740667"/>
+            <a:ext cx="4238869" cy="3615683"/>
           </a:xfrm>
           <a:prstGeom prst="rect">
             <a:avLst/>
@@ -14129,10 +13967,10 @@
       </p:pic>
       <p:pic>
         <p:nvPicPr>
-          <p:cNvPr id="10" name="Picture 9">
-            <a:extLst>
-              <a:ext uri="{FF2B5EF4-FFF2-40B4-BE49-F238E27FC236}">
-                <a16:creationId xmlns:a16="http://schemas.microsoft.com/office/drawing/2014/main" id="{FC93A7D7-5A3B-3DB8-181A-D816B7374DCD}"/>
+          <p:cNvPr id="5" name="Picture 4">
+            <a:extLst>
+              <a:ext uri="{FF2B5EF4-FFF2-40B4-BE49-F238E27FC236}">
+                <a16:creationId xmlns:a16="http://schemas.microsoft.com/office/drawing/2014/main" id="{DD9FCC30-E5D8-D573-AC99-271A331D06B1}"/>
               </a:ext>
             </a:extLst>
           </p:cNvPr>
@@ -14149,8 +13987,8 @@
         </p:blipFill>
         <p:spPr>
           <a:xfrm>
-            <a:off x="4144609" y="1839741"/>
-            <a:ext cx="5674830" cy="4840533"/>
+            <a:off x="1887929" y="3249670"/>
+            <a:ext cx="2899427" cy="2883275"/>
           </a:xfrm>
           <a:prstGeom prst="rect">
             <a:avLst/>
@@ -14160,7 +13998,7 @@
     </p:spTree>
     <p:extLst>
       <p:ext uri="{BB962C8B-B14F-4D97-AF65-F5344CB8AC3E}">
-        <p14:creationId xmlns:p14="http://schemas.microsoft.com/office/powerpoint/2010/main" val="3344639400"/>
+        <p14:creationId xmlns:p14="http://schemas.microsoft.com/office/powerpoint/2010/main" val="1639799154"/>
       </p:ext>
     </p:extLst>
   </p:cSld>
@@ -14205,7 +14043,7 @@
         </p:nvSpPr>
         <p:spPr>
           <a:xfrm>
-            <a:off x="1098480" y="917506"/>
+            <a:off x="1098480" y="193073"/>
             <a:ext cx="9512012" cy="1325563"/>
           </a:xfrm>
         </p:spPr>
@@ -14215,7 +14053,7 @@
           <a:p>
             <a:r>
               <a:rPr lang="en-US" dirty="0"/>
-              <a:t>Feature Scaling:</a:t>
+              <a:t>Data Modeling - Model Selection</a:t>
             </a:r>
           </a:p>
         </p:txBody>
@@ -14238,7 +14076,7 @@
         </p:nvSpPr>
         <p:spPr>
           <a:xfrm>
-            <a:off x="1167492" y="2653167"/>
+            <a:off x="1098480" y="2219251"/>
             <a:ext cx="9779183" cy="3436483"/>
           </a:xfrm>
         </p:spPr>
@@ -14248,35 +14086,94 @@
           </a:bodyPr>
           <a:lstStyle/>
           <a:p>
-            <a:r>
-              <a:rPr lang="en-US" dirty="0" err="1"/>
-              <a:t>gross_square_feet</a:t>
-            </a:r>
+            <a:pPr marL="342900" indent="-342900">
+              <a:buFontTx/>
+              <a:buChar char="-"/>
+            </a:pPr>
             <a:r>
               <a:rPr lang="en-US" dirty="0"/>
-              <a:t>, </a:t>
-            </a:r>
-            <a:r>
-              <a:rPr lang="en-US" dirty="0" err="1"/>
-              <a:t>residential_units</a:t>
-            </a:r>
+              <a:t>Decision Tree</a:t>
+            </a:r>
+          </a:p>
+          <a:p>
+            <a:pPr marL="800100" lvl="1" indent="-342900">
+              <a:buFontTx/>
+              <a:buChar char="-"/>
+            </a:pPr>
+            <a:r>
+              <a:rPr lang="en-US" dirty="0">
+                <a:solidFill>
+                  <a:schemeClr val="bg1"/>
+                </a:solidFill>
+              </a:rPr>
+              <a:t>Simple and easy to understand</a:t>
+            </a:r>
+          </a:p>
+          <a:p>
+            <a:pPr marL="342900" indent="-342900">
+              <a:buFontTx/>
+              <a:buChar char="-"/>
+            </a:pPr>
             <a:r>
               <a:rPr lang="en-US" dirty="0"/>
-              <a:t>, </a:t>
-            </a:r>
-            <a:r>
-              <a:rPr lang="en-US" dirty="0" err="1"/>
-              <a:t>commercial_units</a:t>
-            </a:r>
-            <a:r>
-              <a:rPr lang="en-US" dirty="0"/>
-              <a:t>, </a:t>
-            </a:r>
-            <a:r>
-              <a:rPr lang="en-US" dirty="0" err="1"/>
-              <a:t>land_square_feet</a:t>
-            </a:r>
-            <a:endParaRPr lang="en-US" dirty="0"/>
+              <a:t>Random Forest</a:t>
+            </a:r>
+          </a:p>
+          <a:p>
+            <a:pPr marL="800100" lvl="1" indent="-342900">
+              <a:buFontTx/>
+              <a:buChar char="-"/>
+            </a:pPr>
+            <a:r>
+              <a:rPr lang="en-US" dirty="0">
+                <a:solidFill>
+                  <a:schemeClr val="bg1"/>
+                </a:solidFill>
+              </a:rPr>
+              <a:t>multiple decision trees to improve accuracy and reduce overfitting</a:t>
+            </a:r>
+          </a:p>
+          <a:p>
+            <a:pPr marL="342900" indent="-342900">
+              <a:buFontTx/>
+              <a:buChar char="-"/>
+            </a:pPr>
+            <a:r>
+              <a:rPr lang="en-US" dirty="0">
+                <a:solidFill>
+                  <a:schemeClr val="bg1"/>
+                </a:solidFill>
+              </a:rPr>
+              <a:t>Gradient Boosting Regression (GBR)</a:t>
+            </a:r>
+          </a:p>
+          <a:p>
+            <a:pPr marL="800100" lvl="1" indent="-342900">
+              <a:buFontTx/>
+              <a:buChar char="-"/>
+            </a:pPr>
+            <a:r>
+              <a:rPr lang="en-US" dirty="0">
+                <a:solidFill>
+                  <a:schemeClr val="bg1"/>
+                </a:solidFill>
+              </a:rPr>
+              <a:t>Like random forest</a:t>
+            </a:r>
+          </a:p>
+          <a:p>
+            <a:pPr marL="800100" lvl="1" indent="-342900">
+              <a:buFontTx/>
+              <a:buChar char="-"/>
+            </a:pPr>
+            <a:r>
+              <a:rPr lang="en-US" dirty="0">
+                <a:solidFill>
+                  <a:schemeClr val="bg1"/>
+                </a:solidFill>
+              </a:rPr>
+              <a:t>Seemed cool</a:t>
+            </a:r>
           </a:p>
         </p:txBody>
       </p:sp>
@@ -14318,7 +14215,7 @@
     </p:spTree>
     <p:extLst>
       <p:ext uri="{BB962C8B-B14F-4D97-AF65-F5344CB8AC3E}">
-        <p14:creationId xmlns:p14="http://schemas.microsoft.com/office/powerpoint/2010/main" val="1639799154"/>
+        <p14:creationId xmlns:p14="http://schemas.microsoft.com/office/powerpoint/2010/main" val="3265940821"/>
       </p:ext>
     </p:extLst>
   </p:cSld>
@@ -14373,7 +14270,7 @@
           <a:p>
             <a:r>
               <a:rPr lang="en-US" dirty="0"/>
-              <a:t>Data Modeling - Model Selection</a:t>
+              <a:t>Data Modeling - Implementation</a:t>
             </a:r>
           </a:p>
         </p:txBody>
@@ -14396,7 +14293,7 @@
         </p:nvSpPr>
         <p:spPr>
           <a:xfrm>
-            <a:off x="1098480" y="2219251"/>
+            <a:off x="1167492" y="2653167"/>
             <a:ext cx="9779183" cy="3436483"/>
           </a:xfrm>
         </p:spPr>
@@ -14410,90 +14307,7 @@
               <a:buFontTx/>
               <a:buChar char="-"/>
             </a:pPr>
-            <a:r>
-              <a:rPr lang="en-US" dirty="0"/>
-              <a:t>Decision Tree</a:t>
-            </a:r>
-          </a:p>
-          <a:p>
-            <a:pPr marL="800100" lvl="1" indent="-342900">
-              <a:buFontTx/>
-              <a:buChar char="-"/>
-            </a:pPr>
-            <a:r>
-              <a:rPr lang="en-US" dirty="0">
-                <a:solidFill>
-                  <a:schemeClr val="bg1"/>
-                </a:solidFill>
-              </a:rPr>
-              <a:t>Simple and easy to understand</a:t>
-            </a:r>
-          </a:p>
-          <a:p>
-            <a:pPr marL="342900" indent="-342900">
-              <a:buFontTx/>
-              <a:buChar char="-"/>
-            </a:pPr>
-            <a:r>
-              <a:rPr lang="en-US" dirty="0"/>
-              <a:t>Random Forest</a:t>
-            </a:r>
-          </a:p>
-          <a:p>
-            <a:pPr marL="800100" lvl="1" indent="-342900">
-              <a:buFontTx/>
-              <a:buChar char="-"/>
-            </a:pPr>
-            <a:r>
-              <a:rPr lang="en-US" dirty="0">
-                <a:solidFill>
-                  <a:schemeClr val="bg1"/>
-                </a:solidFill>
-              </a:rPr>
-              <a:t>multiple decision trees to improve accuracy and reduce overfitting</a:t>
-            </a:r>
-          </a:p>
-          <a:p>
-            <a:pPr marL="342900" indent="-342900">
-              <a:buFontTx/>
-              <a:buChar char="-"/>
-            </a:pPr>
-            <a:r>
-              <a:rPr lang="en-US" dirty="0">
-                <a:solidFill>
-                  <a:schemeClr val="bg1"/>
-                </a:solidFill>
-              </a:rPr>
-              <a:t>Gradient Boosting Regression (GBR)</a:t>
-            </a:r>
-          </a:p>
-          <a:p>
-            <a:pPr marL="800100" lvl="1" indent="-342900">
-              <a:buFontTx/>
-              <a:buChar char="-"/>
-            </a:pPr>
-            <a:r>
-              <a:rPr lang="en-US" dirty="0">
-                <a:solidFill>
-                  <a:schemeClr val="bg1"/>
-                </a:solidFill>
-              </a:rPr>
-              <a:t>Like random forest</a:t>
-            </a:r>
-          </a:p>
-          <a:p>
-            <a:pPr marL="800100" lvl="1" indent="-342900">
-              <a:buFontTx/>
-              <a:buChar char="-"/>
-            </a:pPr>
-            <a:r>
-              <a:rPr lang="en-US" dirty="0">
-                <a:solidFill>
-                  <a:schemeClr val="bg1"/>
-                </a:solidFill>
-              </a:rPr>
-              <a:t>Seemed cool</a:t>
-            </a:r>
+            <a:endParaRPr lang="en-US" dirty="0"/>
           </a:p>
         </p:txBody>
       </p:sp>
@@ -14532,10 +14346,70 @@
           </a:p>
         </p:txBody>
       </p:sp>
+      <p:pic>
+        <p:nvPicPr>
+          <p:cNvPr id="5" name="Picture 4">
+            <a:extLst>
+              <a:ext uri="{FF2B5EF4-FFF2-40B4-BE49-F238E27FC236}">
+                <a16:creationId xmlns:a16="http://schemas.microsoft.com/office/drawing/2014/main" id="{D860D7F9-3760-6FF9-43B3-35F86434B535}"/>
+              </a:ext>
+            </a:extLst>
+          </p:cNvPr>
+          <p:cNvPicPr>
+            <a:picLocks noChangeAspect="1"/>
+          </p:cNvPicPr>
+          <p:nvPr/>
+        </p:nvPicPr>
+        <p:blipFill>
+          <a:blip r:embed="rId3"/>
+          <a:stretch>
+            <a:fillRect/>
+          </a:stretch>
+        </p:blipFill>
+        <p:spPr>
+          <a:xfrm>
+            <a:off x="1167492" y="2109603"/>
+            <a:ext cx="8030696" cy="2638793"/>
+          </a:xfrm>
+          <a:prstGeom prst="rect">
+            <a:avLst/>
+          </a:prstGeom>
+        </p:spPr>
+      </p:pic>
+      <p:pic>
+        <p:nvPicPr>
+          <p:cNvPr id="9" name="Picture 8">
+            <a:extLst>
+              <a:ext uri="{FF2B5EF4-FFF2-40B4-BE49-F238E27FC236}">
+                <a16:creationId xmlns:a16="http://schemas.microsoft.com/office/drawing/2014/main" id="{4464E119-F7E8-B4C1-0238-4E9A4494E4DB}"/>
+              </a:ext>
+            </a:extLst>
+          </p:cNvPr>
+          <p:cNvPicPr>
+            <a:picLocks noChangeAspect="1"/>
+          </p:cNvPicPr>
+          <p:nvPr/>
+        </p:nvPicPr>
+        <p:blipFill>
+          <a:blip r:embed="rId4"/>
+          <a:stretch>
+            <a:fillRect/>
+          </a:stretch>
+        </p:blipFill>
+        <p:spPr>
+          <a:xfrm>
+            <a:off x="1098480" y="4787064"/>
+            <a:ext cx="6134956" cy="1009791"/>
+          </a:xfrm>
+          <a:prstGeom prst="rect">
+            <a:avLst/>
+          </a:prstGeom>
+        </p:spPr>
+      </p:pic>
     </p:spTree>
     <p:extLst>
       <p:ext uri="{BB962C8B-B14F-4D97-AF65-F5344CB8AC3E}">
-        <p14:creationId xmlns:p14="http://schemas.microsoft.com/office/powerpoint/2010/main" val="3265940821"/>
+        <p14:creationId xmlns:p14="http://schemas.microsoft.com/office/powerpoint/2010/main" val="2427982800"/>
       </p:ext>
     </p:extLst>
   </p:cSld>
@@ -14580,7 +14454,7 @@
         </p:nvSpPr>
         <p:spPr>
           <a:xfrm>
-            <a:off x="1098480" y="193073"/>
+            <a:off x="1098480" y="7851"/>
             <a:ext cx="9512012" cy="1325563"/>
           </a:xfrm>
         </p:spPr>
@@ -14589,8 +14463,8 @@
           <a:lstStyle/>
           <a:p>
             <a:r>
-              <a:rPr lang="en-US" dirty="0"/>
-              <a:t>Data Modeling - Implementation</a:t>
+              <a:rPr lang="en-US" sz="4000" dirty="0"/>
+              <a:t>Data Modeling - Hyperparameter Tuning</a:t>
             </a:r>
           </a:p>
         </p:txBody>
@@ -14613,7 +14487,7 @@
         </p:nvSpPr>
         <p:spPr>
           <a:xfrm>
-            <a:off x="1167492" y="2653167"/>
+            <a:off x="1098480" y="2243069"/>
             <a:ext cx="9779183" cy="3436483"/>
           </a:xfrm>
         </p:spPr>
@@ -14649,7 +14523,7 @@
         </p:nvSpPr>
         <p:spPr>
           <a:xfrm>
-            <a:off x="10206318" y="6356350"/>
+            <a:off x="1978933" y="3704590"/>
             <a:ext cx="1604682" cy="365125"/>
           </a:xfrm>
         </p:spPr>
@@ -14666,12 +14540,224 @@
           </a:p>
         </p:txBody>
       </p:sp>
+      <p:sp>
+        <p:nvSpPr>
+          <p:cNvPr id="7" name="Content Placeholder 2">
+            <a:extLst>
+              <a:ext uri="{FF2B5EF4-FFF2-40B4-BE49-F238E27FC236}">
+                <a16:creationId xmlns:a16="http://schemas.microsoft.com/office/drawing/2014/main" id="{60788052-B267-1363-1702-B19FCFEDBCFD}"/>
+              </a:ext>
+            </a:extLst>
+          </p:cNvPr>
+          <p:cNvSpPr txBox="1">
+            <a:spLocks/>
+          </p:cNvSpPr>
+          <p:nvPr/>
+        </p:nvSpPr>
+        <p:spPr>
+          <a:xfrm>
+            <a:off x="1314337" y="3429000"/>
+            <a:ext cx="9779183" cy="3436483"/>
+          </a:xfrm>
+          <a:prstGeom prst="rect">
+            <a:avLst/>
+          </a:prstGeom>
+        </p:spPr>
+        <p:txBody>
+          <a:bodyPr vert="horz" lIns="91440" tIns="45720" rIns="91440" bIns="45720" rtlCol="0" anchor="t">
+            <a:normAutofit/>
+          </a:bodyPr>
+          <a:lstStyle>
+            <a:lvl1pPr marL="0" indent="0" algn="l" defTabSz="914400" rtl="0" eaLnBrk="1" latinLnBrk="0" hangingPunct="1">
+              <a:lnSpc>
+                <a:spcPct val="150000"/>
+              </a:lnSpc>
+              <a:spcBef>
+                <a:spcPts val="1000"/>
+              </a:spcBef>
+              <a:buFont typeface="Arial" panose="020B0604020202020204" pitchFamily="34" charset="0"/>
+              <a:buNone/>
+              <a:defRPr sz="2400" kern="1200">
+                <a:solidFill>
+                  <a:schemeClr val="bg1"/>
+                </a:solidFill>
+                <a:latin typeface="+mn-lt"/>
+                <a:ea typeface="+mn-ea"/>
+                <a:cs typeface="+mn-cs"/>
+              </a:defRPr>
+            </a:lvl1pPr>
+            <a:lvl2pPr marL="457200" indent="0" algn="l" defTabSz="914400" rtl="0" eaLnBrk="1" latinLnBrk="0" hangingPunct="1">
+              <a:lnSpc>
+                <a:spcPct val="90000"/>
+              </a:lnSpc>
+              <a:spcBef>
+                <a:spcPts val="500"/>
+              </a:spcBef>
+              <a:buFont typeface="Arial" panose="020B0604020202020204" pitchFamily="34" charset="0"/>
+              <a:buNone/>
+              <a:defRPr sz="2000" kern="1200">
+                <a:solidFill>
+                  <a:schemeClr val="tx1">
+                    <a:tint val="75000"/>
+                  </a:schemeClr>
+                </a:solidFill>
+                <a:latin typeface="+mn-lt"/>
+                <a:ea typeface="+mn-ea"/>
+                <a:cs typeface="+mn-cs"/>
+              </a:defRPr>
+            </a:lvl2pPr>
+            <a:lvl3pPr marL="914400" indent="0" algn="l" defTabSz="914400" rtl="0" eaLnBrk="1" latinLnBrk="0" hangingPunct="1">
+              <a:lnSpc>
+                <a:spcPct val="90000"/>
+              </a:lnSpc>
+              <a:spcBef>
+                <a:spcPts val="500"/>
+              </a:spcBef>
+              <a:buFont typeface="Arial" panose="020B0604020202020204" pitchFamily="34" charset="0"/>
+              <a:buNone/>
+              <a:defRPr sz="1800" kern="1200">
+                <a:solidFill>
+                  <a:schemeClr val="tx1">
+                    <a:tint val="75000"/>
+                  </a:schemeClr>
+                </a:solidFill>
+                <a:latin typeface="+mn-lt"/>
+                <a:ea typeface="+mn-ea"/>
+                <a:cs typeface="+mn-cs"/>
+              </a:defRPr>
+            </a:lvl3pPr>
+            <a:lvl4pPr marL="1371600" indent="0" algn="l" defTabSz="914400" rtl="0" eaLnBrk="1" latinLnBrk="0" hangingPunct="1">
+              <a:lnSpc>
+                <a:spcPct val="90000"/>
+              </a:lnSpc>
+              <a:spcBef>
+                <a:spcPts val="500"/>
+              </a:spcBef>
+              <a:buFont typeface="Arial" panose="020B0604020202020204" pitchFamily="34" charset="0"/>
+              <a:buNone/>
+              <a:defRPr sz="1600" kern="1200">
+                <a:solidFill>
+                  <a:schemeClr val="tx1">
+                    <a:tint val="75000"/>
+                  </a:schemeClr>
+                </a:solidFill>
+                <a:latin typeface="+mn-lt"/>
+                <a:ea typeface="+mn-ea"/>
+                <a:cs typeface="+mn-cs"/>
+              </a:defRPr>
+            </a:lvl4pPr>
+            <a:lvl5pPr marL="1828800" indent="0" algn="l" defTabSz="914400" rtl="0" eaLnBrk="1" latinLnBrk="0" hangingPunct="1">
+              <a:lnSpc>
+                <a:spcPct val="90000"/>
+              </a:lnSpc>
+              <a:spcBef>
+                <a:spcPts val="500"/>
+              </a:spcBef>
+              <a:buFont typeface="Arial" panose="020B0604020202020204" pitchFamily="34" charset="0"/>
+              <a:buNone/>
+              <a:defRPr sz="1600" kern="1200">
+                <a:solidFill>
+                  <a:schemeClr val="tx1">
+                    <a:tint val="75000"/>
+                  </a:schemeClr>
+                </a:solidFill>
+                <a:latin typeface="+mn-lt"/>
+                <a:ea typeface="+mn-ea"/>
+                <a:cs typeface="+mn-cs"/>
+              </a:defRPr>
+            </a:lvl5pPr>
+            <a:lvl6pPr marL="2286000" indent="0" algn="l" defTabSz="914400" rtl="0" eaLnBrk="1" latinLnBrk="0" hangingPunct="1">
+              <a:lnSpc>
+                <a:spcPct val="90000"/>
+              </a:lnSpc>
+              <a:spcBef>
+                <a:spcPts val="500"/>
+              </a:spcBef>
+              <a:buFont typeface="Arial" panose="020B0604020202020204" pitchFamily="34" charset="0"/>
+              <a:buNone/>
+              <a:defRPr sz="1600" kern="1200">
+                <a:solidFill>
+                  <a:schemeClr val="tx1">
+                    <a:tint val="75000"/>
+                  </a:schemeClr>
+                </a:solidFill>
+                <a:latin typeface="+mn-lt"/>
+                <a:ea typeface="+mn-ea"/>
+                <a:cs typeface="+mn-cs"/>
+              </a:defRPr>
+            </a:lvl6pPr>
+            <a:lvl7pPr marL="2743200" indent="0" algn="l" defTabSz="914400" rtl="0" eaLnBrk="1" latinLnBrk="0" hangingPunct="1">
+              <a:lnSpc>
+                <a:spcPct val="90000"/>
+              </a:lnSpc>
+              <a:spcBef>
+                <a:spcPts val="500"/>
+              </a:spcBef>
+              <a:buFont typeface="Arial" panose="020B0604020202020204" pitchFamily="34" charset="0"/>
+              <a:buNone/>
+              <a:defRPr sz="1600" kern="1200">
+                <a:solidFill>
+                  <a:schemeClr val="tx1">
+                    <a:tint val="75000"/>
+                  </a:schemeClr>
+                </a:solidFill>
+                <a:latin typeface="+mn-lt"/>
+                <a:ea typeface="+mn-ea"/>
+                <a:cs typeface="+mn-cs"/>
+              </a:defRPr>
+            </a:lvl7pPr>
+            <a:lvl8pPr marL="3200400" indent="0" algn="l" defTabSz="914400" rtl="0" eaLnBrk="1" latinLnBrk="0" hangingPunct="1">
+              <a:lnSpc>
+                <a:spcPct val="90000"/>
+              </a:lnSpc>
+              <a:spcBef>
+                <a:spcPts val="500"/>
+              </a:spcBef>
+              <a:buFont typeface="Arial" panose="020B0604020202020204" pitchFamily="34" charset="0"/>
+              <a:buNone/>
+              <a:defRPr sz="1600" kern="1200">
+                <a:solidFill>
+                  <a:schemeClr val="tx1">
+                    <a:tint val="75000"/>
+                  </a:schemeClr>
+                </a:solidFill>
+                <a:latin typeface="+mn-lt"/>
+                <a:ea typeface="+mn-ea"/>
+                <a:cs typeface="+mn-cs"/>
+              </a:defRPr>
+            </a:lvl8pPr>
+            <a:lvl9pPr marL="3657600" indent="0" algn="l" defTabSz="914400" rtl="0" eaLnBrk="1" latinLnBrk="0" hangingPunct="1">
+              <a:lnSpc>
+                <a:spcPct val="90000"/>
+              </a:lnSpc>
+              <a:spcBef>
+                <a:spcPts val="500"/>
+              </a:spcBef>
+              <a:buFont typeface="Arial" panose="020B0604020202020204" pitchFamily="34" charset="0"/>
+              <a:buNone/>
+              <a:defRPr sz="1600" kern="1200">
+                <a:solidFill>
+                  <a:schemeClr val="tx1">
+                    <a:tint val="75000"/>
+                  </a:schemeClr>
+                </a:solidFill>
+                <a:latin typeface="+mn-lt"/>
+                <a:ea typeface="+mn-ea"/>
+                <a:cs typeface="+mn-cs"/>
+              </a:defRPr>
+            </a:lvl9pPr>
+          </a:lstStyle>
+          <a:p>
+            <a:endParaRPr lang="en-US" dirty="0"/>
+          </a:p>
+        </p:txBody>
+      </p:sp>
       <p:pic>
         <p:nvPicPr>
-          <p:cNvPr id="5" name="Picture 4">
-            <a:extLst>
-              <a:ext uri="{FF2B5EF4-FFF2-40B4-BE49-F238E27FC236}">
-                <a16:creationId xmlns:a16="http://schemas.microsoft.com/office/drawing/2014/main" id="{D860D7F9-3760-6FF9-43B3-35F86434B535}"/>
+          <p:cNvPr id="9" name="Picture 8">
+            <a:extLst>
+              <a:ext uri="{FF2B5EF4-FFF2-40B4-BE49-F238E27FC236}">
+                <a16:creationId xmlns:a16="http://schemas.microsoft.com/office/drawing/2014/main" id="{B7BA2523-6162-6240-613B-1A469EED305C}"/>
               </a:ext>
             </a:extLst>
           </p:cNvPr>
@@ -14688,8 +14774,8 @@
         </p:blipFill>
         <p:spPr>
           <a:xfrm>
-            <a:off x="1167492" y="2109603"/>
-            <a:ext cx="8030696" cy="2638793"/>
+            <a:off x="116535" y="1254672"/>
+            <a:ext cx="6649802" cy="3908455"/>
           </a:xfrm>
           <a:prstGeom prst="rect">
             <a:avLst/>
@@ -14698,10 +14784,10 @@
       </p:pic>
       <p:pic>
         <p:nvPicPr>
-          <p:cNvPr id="9" name="Picture 8">
-            <a:extLst>
-              <a:ext uri="{FF2B5EF4-FFF2-40B4-BE49-F238E27FC236}">
-                <a16:creationId xmlns:a16="http://schemas.microsoft.com/office/drawing/2014/main" id="{4464E119-F7E8-B4C1-0238-4E9A4494E4DB}"/>
+          <p:cNvPr id="13" name="Picture 12">
+            <a:extLst>
+              <a:ext uri="{FF2B5EF4-FFF2-40B4-BE49-F238E27FC236}">
+                <a16:creationId xmlns:a16="http://schemas.microsoft.com/office/drawing/2014/main" id="{1E97BE0D-8771-F5F9-BCA6-501B75A191DD}"/>
               </a:ext>
             </a:extLst>
           </p:cNvPr>
@@ -14718,8 +14804,68 @@
         </p:blipFill>
         <p:spPr>
           <a:xfrm>
-            <a:off x="1098480" y="4787064"/>
-            <a:ext cx="6134956" cy="1009791"/>
+            <a:off x="4927429" y="1254672"/>
+            <a:ext cx="6347659" cy="4489991"/>
+          </a:xfrm>
+          <a:prstGeom prst="rect">
+            <a:avLst/>
+          </a:prstGeom>
+        </p:spPr>
+      </p:pic>
+      <p:pic>
+        <p:nvPicPr>
+          <p:cNvPr id="17" name="Picture 16">
+            <a:extLst>
+              <a:ext uri="{FF2B5EF4-FFF2-40B4-BE49-F238E27FC236}">
+                <a16:creationId xmlns:a16="http://schemas.microsoft.com/office/drawing/2014/main" id="{72562415-226A-8A93-713F-9AA5DC124A9D}"/>
+              </a:ext>
+            </a:extLst>
+          </p:cNvPr>
+          <p:cNvPicPr>
+            <a:picLocks noChangeAspect="1"/>
+          </p:cNvPicPr>
+          <p:nvPr/>
+        </p:nvPicPr>
+        <p:blipFill>
+          <a:blip r:embed="rId5"/>
+          <a:stretch>
+            <a:fillRect/>
+          </a:stretch>
+        </p:blipFill>
+        <p:spPr>
+          <a:xfrm>
+            <a:off x="6096000" y="5813339"/>
+            <a:ext cx="3591426" cy="676369"/>
+          </a:xfrm>
+          <a:prstGeom prst="rect">
+            <a:avLst/>
+          </a:prstGeom>
+        </p:spPr>
+      </p:pic>
+      <p:pic>
+        <p:nvPicPr>
+          <p:cNvPr id="19" name="Picture 18">
+            <a:extLst>
+              <a:ext uri="{FF2B5EF4-FFF2-40B4-BE49-F238E27FC236}">
+                <a16:creationId xmlns:a16="http://schemas.microsoft.com/office/drawing/2014/main" id="{8867ED8F-285A-9480-EBF8-816EF51823FF}"/>
+              </a:ext>
+            </a:extLst>
+          </p:cNvPr>
+          <p:cNvPicPr>
+            <a:picLocks noChangeAspect="1"/>
+          </p:cNvPicPr>
+          <p:nvPr/>
+        </p:nvPicPr>
+        <p:blipFill>
+          <a:blip r:embed="rId6"/>
+          <a:stretch>
+            <a:fillRect/>
+          </a:stretch>
+        </p:blipFill>
+        <p:spPr>
+          <a:xfrm>
+            <a:off x="730349" y="5233804"/>
+            <a:ext cx="3191320" cy="581106"/>
           </a:xfrm>
           <a:prstGeom prst="rect">
             <a:avLst/>
@@ -14729,7 +14875,7 @@
     </p:spTree>
     <p:extLst>
       <p:ext uri="{BB962C8B-B14F-4D97-AF65-F5344CB8AC3E}">
-        <p14:creationId xmlns:p14="http://schemas.microsoft.com/office/powerpoint/2010/main" val="2427982800"/>
+        <p14:creationId xmlns:p14="http://schemas.microsoft.com/office/powerpoint/2010/main" val="261930649"/>
       </p:ext>
     </p:extLst>
   </p:cSld>
@@ -14761,111 +14907,7 @@
           <p:cNvPr id="2" name="Title 1">
             <a:extLst>
               <a:ext uri="{FF2B5EF4-FFF2-40B4-BE49-F238E27FC236}">
-                <a16:creationId xmlns:a16="http://schemas.microsoft.com/office/drawing/2014/main" id="{8C543F67-9C70-4748-8C0C-3A7863422F99}"/>
-              </a:ext>
-            </a:extLst>
-          </p:cNvPr>
-          <p:cNvSpPr>
-            <a:spLocks noGrp="1"/>
-          </p:cNvSpPr>
-          <p:nvPr>
-            <p:ph type="title"/>
-          </p:nvPr>
-        </p:nvSpPr>
-        <p:spPr>
-          <a:xfrm>
-            <a:off x="1098480" y="7851"/>
-            <a:ext cx="9512012" cy="1325563"/>
-          </a:xfrm>
-        </p:spPr>
-        <p:txBody>
-          <a:bodyPr/>
-          <a:lstStyle/>
-          <a:p>
-            <a:r>
-              <a:rPr lang="en-US" sz="4000" dirty="0"/>
-              <a:t>Data Modeling - Hyperparameter Tuning</a:t>
-            </a:r>
-          </a:p>
-        </p:txBody>
-      </p:sp>
-      <p:sp>
-        <p:nvSpPr>
-          <p:cNvPr id="3" name="Content Placeholder 2">
-            <a:extLst>
-              <a:ext uri="{FF2B5EF4-FFF2-40B4-BE49-F238E27FC236}">
-                <a16:creationId xmlns:a16="http://schemas.microsoft.com/office/drawing/2014/main" id="{95B371F2-DBA5-415A-82C8-651F587B857A}"/>
-              </a:ext>
-            </a:extLst>
-          </p:cNvPr>
-          <p:cNvSpPr>
-            <a:spLocks noGrp="1"/>
-          </p:cNvSpPr>
-          <p:nvPr>
-            <p:ph type="body" idx="1"/>
-          </p:nvPr>
-        </p:nvSpPr>
-        <p:spPr>
-          <a:xfrm>
-            <a:off x="1098480" y="2243069"/>
-            <a:ext cx="9779183" cy="3436483"/>
-          </a:xfrm>
-        </p:spPr>
-        <p:txBody>
-          <a:bodyPr vert="horz" lIns="91440" tIns="45720" rIns="91440" bIns="45720" rtlCol="0" anchor="t">
-            <a:normAutofit/>
-          </a:bodyPr>
-          <a:lstStyle/>
-          <a:p>
-            <a:pPr marL="342900" indent="-342900">
-              <a:buFontTx/>
-              <a:buChar char="-"/>
-            </a:pPr>
-            <a:endParaRPr lang="en-US" dirty="0"/>
-          </a:p>
-        </p:txBody>
-      </p:sp>
-      <p:sp>
-        <p:nvSpPr>
-          <p:cNvPr id="6" name="Slide Number Placeholder 5">
-            <a:extLst>
-              <a:ext uri="{FF2B5EF4-FFF2-40B4-BE49-F238E27FC236}">
-                <a16:creationId xmlns:a16="http://schemas.microsoft.com/office/drawing/2014/main" id="{134C72D2-EFDF-844A-8472-CB49A59B127B}"/>
-              </a:ext>
-            </a:extLst>
-          </p:cNvPr>
-          <p:cNvSpPr>
-            <a:spLocks noGrp="1"/>
-          </p:cNvSpPr>
-          <p:nvPr>
-            <p:ph type="sldNum" sz="quarter" idx="12"/>
-          </p:nvPr>
-        </p:nvSpPr>
-        <p:spPr>
-          <a:xfrm>
-            <a:off x="1978933" y="3704590"/>
-            <a:ext cx="1604682" cy="365125"/>
-          </a:xfrm>
-        </p:spPr>
-        <p:txBody>
-          <a:bodyPr/>
-          <a:lstStyle/>
-          <a:p>
-            <a:fld id="{294A09A9-5501-47C1-A89A-A340965A2BE2}" type="slidenum">
-              <a:rPr lang="en-US" smtClean="0"/>
-              <a:pPr/>
-              <a:t>7</a:t>
-            </a:fld>
-            <a:endParaRPr lang="en-US" dirty="0"/>
-          </a:p>
-        </p:txBody>
-      </p:sp>
-      <p:sp>
-        <p:nvSpPr>
-          <p:cNvPr id="7" name="Content Placeholder 2">
-            <a:extLst>
-              <a:ext uri="{FF2B5EF4-FFF2-40B4-BE49-F238E27FC236}">
-                <a16:creationId xmlns:a16="http://schemas.microsoft.com/office/drawing/2014/main" id="{60788052-B267-1363-1702-B19FCFEDBCFD}"/>
+                <a16:creationId xmlns:a16="http://schemas.microsoft.com/office/drawing/2014/main" id="{945202A2-32E2-5EAE-AB6C-606B60C685B1}"/>
               </a:ext>
             </a:extLst>
           </p:cNvPr>
@@ -14876,208 +14918,50 @@
         </p:nvSpPr>
         <p:spPr>
           <a:xfrm>
-            <a:off x="1314337" y="3429000"/>
-            <a:ext cx="9779183" cy="3436483"/>
+            <a:off x="1024590" y="443345"/>
+            <a:ext cx="9512012" cy="760760"/>
           </a:xfrm>
           <a:prstGeom prst="rect">
             <a:avLst/>
           </a:prstGeom>
         </p:spPr>
         <p:txBody>
-          <a:bodyPr vert="horz" lIns="91440" tIns="45720" rIns="91440" bIns="45720" rtlCol="0" anchor="t">
-            <a:normAutofit/>
+          <a:bodyPr vert="horz" lIns="91440" tIns="45720" rIns="91440" bIns="45720" rtlCol="0" anchor="b">
+            <a:noAutofit/>
           </a:bodyPr>
           <a:lstStyle>
-            <a:lvl1pPr marL="0" indent="0" algn="l" defTabSz="914400" rtl="0" eaLnBrk="1" latinLnBrk="0" hangingPunct="1">
-              <a:lnSpc>
-                <a:spcPct val="150000"/>
-              </a:lnSpc>
-              <a:spcBef>
-                <a:spcPts val="1000"/>
-              </a:spcBef>
-              <a:buFont typeface="Arial" panose="020B0604020202020204" pitchFamily="34" charset="0"/>
-              <a:buNone/>
-              <a:defRPr sz="2400" kern="1200">
-                <a:solidFill>
-                  <a:schemeClr val="bg1"/>
-                </a:solidFill>
-                <a:latin typeface="+mn-lt"/>
-                <a:ea typeface="+mn-ea"/>
-                <a:cs typeface="+mn-cs"/>
-              </a:defRPr>
-            </a:lvl1pPr>
-            <a:lvl2pPr marL="457200" indent="0" algn="l" defTabSz="914400" rtl="0" eaLnBrk="1" latinLnBrk="0" hangingPunct="1">
+            <a:lvl1pPr algn="l" defTabSz="914400" rtl="0" eaLnBrk="1" latinLnBrk="0" hangingPunct="1">
               <a:lnSpc>
                 <a:spcPct val="90000"/>
               </a:lnSpc>
               <a:spcBef>
-                <a:spcPts val="500"/>
+                <a:spcPct val="0"/>
               </a:spcBef>
-              <a:buFont typeface="Arial" panose="020B0604020202020204" pitchFamily="34" charset="0"/>
-              <a:buNone/>
-              <a:defRPr sz="2000" kern="1200">
+              <a:buNone/>
+              <a:defRPr sz="6000" b="1" kern="1200">
                 <a:solidFill>
-                  <a:schemeClr val="tx1">
-                    <a:tint val="75000"/>
-                  </a:schemeClr>
+                  <a:schemeClr val="bg1"/>
                 </a:solidFill>
-                <a:latin typeface="+mn-lt"/>
-                <a:ea typeface="+mn-ea"/>
-                <a:cs typeface="+mn-cs"/>
-              </a:defRPr>
-            </a:lvl2pPr>
-            <a:lvl3pPr marL="914400" indent="0" algn="l" defTabSz="914400" rtl="0" eaLnBrk="1" latinLnBrk="0" hangingPunct="1">
-              <a:lnSpc>
-                <a:spcPct val="90000"/>
-              </a:lnSpc>
-              <a:spcBef>
-                <a:spcPts val="500"/>
-              </a:spcBef>
-              <a:buFont typeface="Arial" panose="020B0604020202020204" pitchFamily="34" charset="0"/>
-              <a:buNone/>
-              <a:defRPr sz="1800" kern="1200">
-                <a:solidFill>
-                  <a:schemeClr val="tx1">
-                    <a:tint val="75000"/>
-                  </a:schemeClr>
-                </a:solidFill>
-                <a:latin typeface="+mn-lt"/>
-                <a:ea typeface="+mn-ea"/>
-                <a:cs typeface="+mn-cs"/>
-              </a:defRPr>
-            </a:lvl3pPr>
-            <a:lvl4pPr marL="1371600" indent="0" algn="l" defTabSz="914400" rtl="0" eaLnBrk="1" latinLnBrk="0" hangingPunct="1">
-              <a:lnSpc>
-                <a:spcPct val="90000"/>
-              </a:lnSpc>
-              <a:spcBef>
-                <a:spcPts val="500"/>
-              </a:spcBef>
-              <a:buFont typeface="Arial" panose="020B0604020202020204" pitchFamily="34" charset="0"/>
-              <a:buNone/>
-              <a:defRPr sz="1600" kern="1200">
-                <a:solidFill>
-                  <a:schemeClr val="tx1">
-                    <a:tint val="75000"/>
-                  </a:schemeClr>
-                </a:solidFill>
-                <a:latin typeface="+mn-lt"/>
-                <a:ea typeface="+mn-ea"/>
-                <a:cs typeface="+mn-cs"/>
-              </a:defRPr>
-            </a:lvl4pPr>
-            <a:lvl5pPr marL="1828800" indent="0" algn="l" defTabSz="914400" rtl="0" eaLnBrk="1" latinLnBrk="0" hangingPunct="1">
-              <a:lnSpc>
-                <a:spcPct val="90000"/>
-              </a:lnSpc>
-              <a:spcBef>
-                <a:spcPts val="500"/>
-              </a:spcBef>
-              <a:buFont typeface="Arial" panose="020B0604020202020204" pitchFamily="34" charset="0"/>
-              <a:buNone/>
-              <a:defRPr sz="1600" kern="1200">
-                <a:solidFill>
-                  <a:schemeClr val="tx1">
-                    <a:tint val="75000"/>
-                  </a:schemeClr>
-                </a:solidFill>
-                <a:latin typeface="+mn-lt"/>
-                <a:ea typeface="+mn-ea"/>
-                <a:cs typeface="+mn-cs"/>
-              </a:defRPr>
-            </a:lvl5pPr>
-            <a:lvl6pPr marL="2286000" indent="0" algn="l" defTabSz="914400" rtl="0" eaLnBrk="1" latinLnBrk="0" hangingPunct="1">
-              <a:lnSpc>
-                <a:spcPct val="90000"/>
-              </a:lnSpc>
-              <a:spcBef>
-                <a:spcPts val="500"/>
-              </a:spcBef>
-              <a:buFont typeface="Arial" panose="020B0604020202020204" pitchFamily="34" charset="0"/>
-              <a:buNone/>
-              <a:defRPr sz="1600" kern="1200">
-                <a:solidFill>
-                  <a:schemeClr val="tx1">
-                    <a:tint val="75000"/>
-                  </a:schemeClr>
-                </a:solidFill>
-                <a:latin typeface="+mn-lt"/>
-                <a:ea typeface="+mn-ea"/>
-                <a:cs typeface="+mn-cs"/>
-              </a:defRPr>
-            </a:lvl6pPr>
-            <a:lvl7pPr marL="2743200" indent="0" algn="l" defTabSz="914400" rtl="0" eaLnBrk="1" latinLnBrk="0" hangingPunct="1">
-              <a:lnSpc>
-                <a:spcPct val="90000"/>
-              </a:lnSpc>
-              <a:spcBef>
-                <a:spcPts val="500"/>
-              </a:spcBef>
-              <a:buFont typeface="Arial" panose="020B0604020202020204" pitchFamily="34" charset="0"/>
-              <a:buNone/>
-              <a:defRPr sz="1600" kern="1200">
-                <a:solidFill>
-                  <a:schemeClr val="tx1">
-                    <a:tint val="75000"/>
-                  </a:schemeClr>
-                </a:solidFill>
-                <a:latin typeface="+mn-lt"/>
-                <a:ea typeface="+mn-ea"/>
-                <a:cs typeface="+mn-cs"/>
-              </a:defRPr>
-            </a:lvl7pPr>
-            <a:lvl8pPr marL="3200400" indent="0" algn="l" defTabSz="914400" rtl="0" eaLnBrk="1" latinLnBrk="0" hangingPunct="1">
-              <a:lnSpc>
-                <a:spcPct val="90000"/>
-              </a:lnSpc>
-              <a:spcBef>
-                <a:spcPts val="500"/>
-              </a:spcBef>
-              <a:buFont typeface="Arial" panose="020B0604020202020204" pitchFamily="34" charset="0"/>
-              <a:buNone/>
-              <a:defRPr sz="1600" kern="1200">
-                <a:solidFill>
-                  <a:schemeClr val="tx1">
-                    <a:tint val="75000"/>
-                  </a:schemeClr>
-                </a:solidFill>
-                <a:latin typeface="+mn-lt"/>
-                <a:ea typeface="+mn-ea"/>
-                <a:cs typeface="+mn-cs"/>
-              </a:defRPr>
-            </a:lvl8pPr>
-            <a:lvl9pPr marL="3657600" indent="0" algn="l" defTabSz="914400" rtl="0" eaLnBrk="1" latinLnBrk="0" hangingPunct="1">
-              <a:lnSpc>
-                <a:spcPct val="90000"/>
-              </a:lnSpc>
-              <a:spcBef>
-                <a:spcPts val="500"/>
-              </a:spcBef>
-              <a:buFont typeface="Arial" panose="020B0604020202020204" pitchFamily="34" charset="0"/>
-              <a:buNone/>
-              <a:defRPr sz="1600" kern="1200">
-                <a:solidFill>
-                  <a:schemeClr val="tx1">
-                    <a:tint val="75000"/>
-                  </a:schemeClr>
-                </a:solidFill>
-                <a:latin typeface="+mn-lt"/>
-                <a:ea typeface="+mn-ea"/>
-                <a:cs typeface="+mn-cs"/>
-              </a:defRPr>
-            </a:lvl9pPr>
+                <a:latin typeface="+mj-lt"/>
+                <a:ea typeface="+mj-ea"/>
+                <a:cs typeface="+mj-cs"/>
+              </a:defRPr>
+            </a:lvl1pPr>
           </a:lstStyle>
           <a:p>
-            <a:endParaRPr lang="en-US" dirty="0"/>
+            <a:r>
+              <a:rPr lang="en-US" sz="4000" dirty="0"/>
+              <a:t>Evaluation</a:t>
+            </a:r>
           </a:p>
         </p:txBody>
       </p:sp>
       <p:pic>
         <p:nvPicPr>
-          <p:cNvPr id="20" name="Picture 19">
-            <a:extLst>
-              <a:ext uri="{FF2B5EF4-FFF2-40B4-BE49-F238E27FC236}">
-                <a16:creationId xmlns:a16="http://schemas.microsoft.com/office/drawing/2014/main" id="{3B490228-DB22-0D6B-BD9C-C8F9F6C54734}"/>
+          <p:cNvPr id="18" name="Picture 17">
+            <a:extLst>
+              <a:ext uri="{FF2B5EF4-FFF2-40B4-BE49-F238E27FC236}">
+                <a16:creationId xmlns:a16="http://schemas.microsoft.com/office/drawing/2014/main" id="{8E9FBC5D-BBEE-B6C8-33F2-E7D7C0D7E927}"/>
               </a:ext>
             </a:extLst>
           </p:cNvPr>
@@ -15094,18 +14978,329 @@
         </p:blipFill>
         <p:spPr>
           <a:xfrm>
-            <a:off x="1098480" y="1333414"/>
-            <a:ext cx="6241243" cy="4577859"/>
+            <a:off x="1024590" y="2479474"/>
+            <a:ext cx="9390426" cy="705735"/>
           </a:xfrm>
           <a:prstGeom prst="rect">
             <a:avLst/>
           </a:prstGeom>
         </p:spPr>
       </p:pic>
+      <p:pic>
+        <p:nvPicPr>
+          <p:cNvPr id="20" name="Picture 19">
+            <a:extLst>
+              <a:ext uri="{FF2B5EF4-FFF2-40B4-BE49-F238E27FC236}">
+                <a16:creationId xmlns:a16="http://schemas.microsoft.com/office/drawing/2014/main" id="{1D12D3FF-7658-EDBE-D74C-304E2F80D5E0}"/>
+              </a:ext>
+            </a:extLst>
+          </p:cNvPr>
+          <p:cNvPicPr>
+            <a:picLocks noChangeAspect="1"/>
+          </p:cNvPicPr>
+          <p:nvPr/>
+        </p:nvPicPr>
+        <p:blipFill>
+          <a:blip r:embed="rId4"/>
+          <a:stretch>
+            <a:fillRect/>
+          </a:stretch>
+        </p:blipFill>
+        <p:spPr>
+          <a:xfrm>
+            <a:off x="1000774" y="1519161"/>
+            <a:ext cx="10031225" cy="828791"/>
+          </a:xfrm>
+          <a:prstGeom prst="rect">
+            <a:avLst/>
+          </a:prstGeom>
+        </p:spPr>
+      </p:pic>
+      <p:pic>
+        <p:nvPicPr>
+          <p:cNvPr id="22" name="Picture 21">
+            <a:extLst>
+              <a:ext uri="{FF2B5EF4-FFF2-40B4-BE49-F238E27FC236}">
+                <a16:creationId xmlns:a16="http://schemas.microsoft.com/office/drawing/2014/main" id="{B1D569CE-EA0C-3D98-6933-A49F81E35497}"/>
+              </a:ext>
+            </a:extLst>
+          </p:cNvPr>
+          <p:cNvPicPr>
+            <a:picLocks noChangeAspect="1"/>
+          </p:cNvPicPr>
+          <p:nvPr/>
+        </p:nvPicPr>
+        <p:blipFill>
+          <a:blip r:embed="rId5"/>
+          <a:stretch>
+            <a:fillRect/>
+          </a:stretch>
+        </p:blipFill>
+        <p:spPr>
+          <a:xfrm>
+            <a:off x="1024590" y="3308927"/>
+            <a:ext cx="8125959" cy="781159"/>
+          </a:xfrm>
+          <a:prstGeom prst="rect">
+            <a:avLst/>
+          </a:prstGeom>
+        </p:spPr>
+      </p:pic>
+      <p:pic>
+        <p:nvPicPr>
+          <p:cNvPr id="28" name="Picture 27">
+            <a:extLst>
+              <a:ext uri="{FF2B5EF4-FFF2-40B4-BE49-F238E27FC236}">
+                <a16:creationId xmlns:a16="http://schemas.microsoft.com/office/drawing/2014/main" id="{B060B44A-A20A-17D7-F282-2007FAD4210E}"/>
+              </a:ext>
+            </a:extLst>
+          </p:cNvPr>
+          <p:cNvPicPr>
+            <a:picLocks noChangeAspect="1"/>
+          </p:cNvPicPr>
+          <p:nvPr/>
+        </p:nvPicPr>
+        <p:blipFill>
+          <a:blip r:embed="rId6"/>
+          <a:stretch>
+            <a:fillRect/>
+          </a:stretch>
+        </p:blipFill>
+        <p:spPr>
+          <a:xfrm>
+            <a:off x="1000774" y="4643417"/>
+            <a:ext cx="4991797" cy="695422"/>
+          </a:xfrm>
+          <a:prstGeom prst="rect">
+            <a:avLst/>
+          </a:prstGeom>
+        </p:spPr>
+      </p:pic>
+      <p:sp>
+        <p:nvSpPr>
+          <p:cNvPr id="5" name="Title 1">
+            <a:extLst>
+              <a:ext uri="{FF2B5EF4-FFF2-40B4-BE49-F238E27FC236}">
+                <a16:creationId xmlns:a16="http://schemas.microsoft.com/office/drawing/2014/main" id="{619AE195-F046-636C-E45E-2462D22C9E18}"/>
+              </a:ext>
+            </a:extLst>
+          </p:cNvPr>
+          <p:cNvSpPr txBox="1">
+            <a:spLocks/>
+          </p:cNvSpPr>
+          <p:nvPr/>
+        </p:nvSpPr>
+        <p:spPr>
+          <a:xfrm>
+            <a:off x="6196898" y="1791012"/>
+            <a:ext cx="5907301" cy="285087"/>
+          </a:xfrm>
+          <a:prstGeom prst="rect">
+            <a:avLst/>
+          </a:prstGeom>
+        </p:spPr>
+        <p:txBody>
+          <a:bodyPr vert="horz" lIns="91440" tIns="45720" rIns="91440" bIns="45720" rtlCol="0" anchor="b">
+            <a:noAutofit/>
+          </a:bodyPr>
+          <a:lstStyle>
+            <a:lvl1pPr algn="l" defTabSz="914400" rtl="0" eaLnBrk="1" latinLnBrk="0" hangingPunct="1">
+              <a:lnSpc>
+                <a:spcPct val="90000"/>
+              </a:lnSpc>
+              <a:spcBef>
+                <a:spcPct val="0"/>
+              </a:spcBef>
+              <a:buNone/>
+              <a:defRPr sz="6000" b="1" kern="1200">
+                <a:solidFill>
+                  <a:schemeClr val="bg1"/>
+                </a:solidFill>
+                <a:latin typeface="+mj-lt"/>
+                <a:ea typeface="+mj-ea"/>
+                <a:cs typeface="+mj-cs"/>
+              </a:defRPr>
+            </a:lvl1pPr>
+          </a:lstStyle>
+          <a:p>
+            <a:r>
+              <a:rPr lang="en-US" sz="1400" dirty="0"/>
+              <a:t>28,060,265,946</a:t>
+            </a:r>
+          </a:p>
+        </p:txBody>
+      </p:sp>
+      <p:sp>
+        <p:nvSpPr>
+          <p:cNvPr id="6" name="Title 1">
+            <a:extLst>
+              <a:ext uri="{FF2B5EF4-FFF2-40B4-BE49-F238E27FC236}">
+                <a16:creationId xmlns:a16="http://schemas.microsoft.com/office/drawing/2014/main" id="{F832A0F5-8E73-CAA7-69D0-2B1F0959CC66}"/>
+              </a:ext>
+            </a:extLst>
+          </p:cNvPr>
+          <p:cNvSpPr txBox="1">
+            <a:spLocks/>
+          </p:cNvSpPr>
+          <p:nvPr/>
+        </p:nvSpPr>
+        <p:spPr>
+          <a:xfrm>
+            <a:off x="5545735" y="2689797"/>
+            <a:ext cx="5907301" cy="285087"/>
+          </a:xfrm>
+          <a:prstGeom prst="rect">
+            <a:avLst/>
+          </a:prstGeom>
+        </p:spPr>
+        <p:txBody>
+          <a:bodyPr vert="horz" lIns="91440" tIns="45720" rIns="91440" bIns="45720" rtlCol="0" anchor="b">
+            <a:noAutofit/>
+          </a:bodyPr>
+          <a:lstStyle>
+            <a:lvl1pPr algn="l" defTabSz="914400" rtl="0" eaLnBrk="1" latinLnBrk="0" hangingPunct="1">
+              <a:lnSpc>
+                <a:spcPct val="90000"/>
+              </a:lnSpc>
+              <a:spcBef>
+                <a:spcPct val="0"/>
+              </a:spcBef>
+              <a:buNone/>
+              <a:defRPr sz="6000" b="1" kern="1200">
+                <a:solidFill>
+                  <a:schemeClr val="bg1"/>
+                </a:solidFill>
+                <a:latin typeface="+mj-lt"/>
+                <a:ea typeface="+mj-ea"/>
+                <a:cs typeface="+mj-cs"/>
+              </a:defRPr>
+            </a:lvl1pPr>
+          </a:lstStyle>
+          <a:p>
+            <a:r>
+              <a:rPr lang="en-US" sz="1400" dirty="0"/>
+              <a:t>15,367,446,607</a:t>
+            </a:r>
+          </a:p>
+        </p:txBody>
+      </p:sp>
+      <p:sp>
+        <p:nvSpPr>
+          <p:cNvPr id="7" name="Title 1">
+            <a:extLst>
+              <a:ext uri="{FF2B5EF4-FFF2-40B4-BE49-F238E27FC236}">
+                <a16:creationId xmlns:a16="http://schemas.microsoft.com/office/drawing/2014/main" id="{E5A7DD8D-F008-1F59-BDF3-14A0A2AFE5AB}"/>
+              </a:ext>
+            </a:extLst>
+          </p:cNvPr>
+          <p:cNvSpPr txBox="1">
+            <a:spLocks/>
+          </p:cNvSpPr>
+          <p:nvPr/>
+        </p:nvSpPr>
+        <p:spPr>
+          <a:xfrm>
+            <a:off x="4035590" y="3588582"/>
+            <a:ext cx="5907301" cy="285087"/>
+          </a:xfrm>
+          <a:prstGeom prst="rect">
+            <a:avLst/>
+          </a:prstGeom>
+        </p:spPr>
+        <p:txBody>
+          <a:bodyPr vert="horz" lIns="91440" tIns="45720" rIns="91440" bIns="45720" rtlCol="0" anchor="b">
+            <a:noAutofit/>
+          </a:bodyPr>
+          <a:lstStyle>
+            <a:lvl1pPr algn="l" defTabSz="914400" rtl="0" eaLnBrk="1" latinLnBrk="0" hangingPunct="1">
+              <a:lnSpc>
+                <a:spcPct val="90000"/>
+              </a:lnSpc>
+              <a:spcBef>
+                <a:spcPct val="0"/>
+              </a:spcBef>
+              <a:buNone/>
+              <a:defRPr sz="6000" b="1" kern="1200">
+                <a:solidFill>
+                  <a:schemeClr val="bg1"/>
+                </a:solidFill>
+                <a:latin typeface="+mj-lt"/>
+                <a:ea typeface="+mj-ea"/>
+                <a:cs typeface="+mj-cs"/>
+              </a:defRPr>
+            </a:lvl1pPr>
+          </a:lstStyle>
+          <a:p>
+            <a:r>
+              <a:rPr lang="en-US" sz="1400" dirty="0"/>
+              <a:t>10,672,820,290</a:t>
+            </a:r>
+          </a:p>
+        </p:txBody>
+      </p:sp>
+      <p:sp>
+        <p:nvSpPr>
+          <p:cNvPr id="8" name="Title 1">
+            <a:extLst>
+              <a:ext uri="{FF2B5EF4-FFF2-40B4-BE49-F238E27FC236}">
+                <a16:creationId xmlns:a16="http://schemas.microsoft.com/office/drawing/2014/main" id="{9535D0D0-9564-138A-A97D-71C4A3FEBB5E}"/>
+              </a:ext>
+            </a:extLst>
+          </p:cNvPr>
+          <p:cNvSpPr txBox="1">
+            <a:spLocks/>
+          </p:cNvSpPr>
+          <p:nvPr/>
+        </p:nvSpPr>
+        <p:spPr>
+          <a:xfrm>
+            <a:off x="1000774" y="4350915"/>
+            <a:ext cx="5907301" cy="285087"/>
+          </a:xfrm>
+          <a:prstGeom prst="rect">
+            <a:avLst/>
+          </a:prstGeom>
+        </p:spPr>
+        <p:txBody>
+          <a:bodyPr vert="horz" lIns="91440" tIns="45720" rIns="91440" bIns="45720" rtlCol="0" anchor="b">
+            <a:noAutofit/>
+          </a:bodyPr>
+          <a:lstStyle>
+            <a:lvl1pPr algn="l" defTabSz="914400" rtl="0" eaLnBrk="1" latinLnBrk="0" hangingPunct="1">
+              <a:lnSpc>
+                <a:spcPct val="90000"/>
+              </a:lnSpc>
+              <a:spcBef>
+                <a:spcPct val="0"/>
+              </a:spcBef>
+              <a:buNone/>
+              <a:defRPr sz="6000" b="1" kern="1200">
+                <a:solidFill>
+                  <a:schemeClr val="bg1"/>
+                </a:solidFill>
+                <a:latin typeface="+mj-lt"/>
+                <a:ea typeface="+mj-ea"/>
+                <a:cs typeface="+mj-cs"/>
+              </a:defRPr>
+            </a:lvl1pPr>
+          </a:lstStyle>
+          <a:p>
+            <a:r>
+              <a:rPr lang="en-US" sz="1400" dirty="0"/>
+              <a:t>Predicted price of a 2000 </a:t>
+            </a:r>
+            <a:r>
+              <a:rPr lang="en-US" sz="1400" dirty="0" err="1"/>
+              <a:t>gross_square_feet_home</a:t>
+            </a:r>
+            <a:endParaRPr lang="en-US" sz="1400" dirty="0"/>
+          </a:p>
+        </p:txBody>
+      </p:sp>
     </p:spTree>
     <p:extLst>
       <p:ext uri="{BB962C8B-B14F-4D97-AF65-F5344CB8AC3E}">
-        <p14:creationId xmlns:p14="http://schemas.microsoft.com/office/powerpoint/2010/main" val="261930649"/>
+        <p14:creationId xmlns:p14="http://schemas.microsoft.com/office/powerpoint/2010/main" val="287974240"/>
       </p:ext>
     </p:extLst>
   </p:cSld>
@@ -15181,135 +15376,293 @@
           <a:p>
             <a:r>
               <a:rPr lang="en-US" sz="4000" dirty="0"/>
-              <a:t>Evaluation</a:t>
-            </a:r>
-          </a:p>
-        </p:txBody>
-      </p:sp>
-      <p:pic>
-        <p:nvPicPr>
-          <p:cNvPr id="18" name="Picture 17">
-            <a:extLst>
-              <a:ext uri="{FF2B5EF4-FFF2-40B4-BE49-F238E27FC236}">
-                <a16:creationId xmlns:a16="http://schemas.microsoft.com/office/drawing/2014/main" id="{8E9FBC5D-BBEE-B6C8-33F2-E7D7C0D7E927}"/>
-              </a:ext>
-            </a:extLst>
-          </p:cNvPr>
-          <p:cNvPicPr>
-            <a:picLocks noChangeAspect="1"/>
-          </p:cNvPicPr>
+              <a:t>Conclusion:</a:t>
+            </a:r>
+          </a:p>
+        </p:txBody>
+      </p:sp>
+      <p:sp>
+        <p:nvSpPr>
+          <p:cNvPr id="4" name="Content Placeholder 2">
+            <a:extLst>
+              <a:ext uri="{FF2B5EF4-FFF2-40B4-BE49-F238E27FC236}">
+                <a16:creationId xmlns:a16="http://schemas.microsoft.com/office/drawing/2014/main" id="{D74B81D9-77FF-6474-D104-7C6702BBA3BF}"/>
+              </a:ext>
+            </a:extLst>
+          </p:cNvPr>
+          <p:cNvSpPr txBox="1">
+            <a:spLocks/>
+          </p:cNvSpPr>
           <p:nvPr/>
-        </p:nvPicPr>
-        <p:blipFill>
-          <a:blip r:embed="rId3"/>
-          <a:stretch>
-            <a:fillRect/>
-          </a:stretch>
-        </p:blipFill>
-        <p:spPr>
-          <a:xfrm>
-            <a:off x="1024591" y="1395363"/>
-            <a:ext cx="9390426" cy="705735"/>
+        </p:nvSpPr>
+        <p:spPr>
+          <a:xfrm>
+            <a:off x="1024590" y="1469443"/>
+            <a:ext cx="9779183" cy="3436483"/>
           </a:xfrm>
           <a:prstGeom prst="rect">
             <a:avLst/>
           </a:prstGeom>
         </p:spPr>
-      </p:pic>
-      <p:pic>
-        <p:nvPicPr>
-          <p:cNvPr id="20" name="Picture 19">
-            <a:extLst>
-              <a:ext uri="{FF2B5EF4-FFF2-40B4-BE49-F238E27FC236}">
-                <a16:creationId xmlns:a16="http://schemas.microsoft.com/office/drawing/2014/main" id="{1D12D3FF-7658-EDBE-D74C-304E2F80D5E0}"/>
-              </a:ext>
-            </a:extLst>
-          </p:cNvPr>
-          <p:cNvPicPr>
-            <a:picLocks noChangeAspect="1"/>
-          </p:cNvPicPr>
-          <p:nvPr/>
-        </p:nvPicPr>
-        <p:blipFill>
-          <a:blip r:embed="rId4"/>
-          <a:stretch>
-            <a:fillRect/>
-          </a:stretch>
-        </p:blipFill>
-        <p:spPr>
-          <a:xfrm>
-            <a:off x="1024590" y="2232700"/>
-            <a:ext cx="10031225" cy="828791"/>
-          </a:xfrm>
-          <a:prstGeom prst="rect">
-            <a:avLst/>
-          </a:prstGeom>
-        </p:spPr>
-      </p:pic>
-      <p:pic>
-        <p:nvPicPr>
-          <p:cNvPr id="22" name="Picture 21">
-            <a:extLst>
-              <a:ext uri="{FF2B5EF4-FFF2-40B4-BE49-F238E27FC236}">
-                <a16:creationId xmlns:a16="http://schemas.microsoft.com/office/drawing/2014/main" id="{B1D569CE-EA0C-3D98-6933-A49F81E35497}"/>
-              </a:ext>
-            </a:extLst>
-          </p:cNvPr>
-          <p:cNvPicPr>
-            <a:picLocks noChangeAspect="1"/>
-          </p:cNvPicPr>
-          <p:nvPr/>
-        </p:nvPicPr>
-        <p:blipFill>
-          <a:blip r:embed="rId5"/>
-          <a:stretch>
-            <a:fillRect/>
-          </a:stretch>
-        </p:blipFill>
-        <p:spPr>
-          <a:xfrm>
-            <a:off x="1024590" y="3308927"/>
-            <a:ext cx="8125959" cy="781159"/>
-          </a:xfrm>
-          <a:prstGeom prst="rect">
-            <a:avLst/>
-          </a:prstGeom>
-        </p:spPr>
-      </p:pic>
-      <p:pic>
-        <p:nvPicPr>
-          <p:cNvPr id="28" name="Picture 27">
-            <a:extLst>
-              <a:ext uri="{FF2B5EF4-FFF2-40B4-BE49-F238E27FC236}">
-                <a16:creationId xmlns:a16="http://schemas.microsoft.com/office/drawing/2014/main" id="{B060B44A-A20A-17D7-F282-2007FAD4210E}"/>
-              </a:ext>
-            </a:extLst>
-          </p:cNvPr>
-          <p:cNvPicPr>
-            <a:picLocks noChangeAspect="1"/>
-          </p:cNvPicPr>
-          <p:nvPr/>
-        </p:nvPicPr>
-        <p:blipFill>
-          <a:blip r:embed="rId6"/>
-          <a:stretch>
-            <a:fillRect/>
-          </a:stretch>
-        </p:blipFill>
-        <p:spPr>
-          <a:xfrm>
-            <a:off x="1024590" y="4337522"/>
-            <a:ext cx="4991797" cy="695422"/>
-          </a:xfrm>
-          <a:prstGeom prst="rect">
-            <a:avLst/>
-          </a:prstGeom>
-        </p:spPr>
-      </p:pic>
+        <p:txBody>
+          <a:bodyPr vert="horz" lIns="91440" tIns="45720" rIns="91440" bIns="45720" rtlCol="0" anchor="t">
+            <a:normAutofit/>
+          </a:bodyPr>
+          <a:lstStyle>
+            <a:lvl1pPr marL="0" indent="0" algn="l" defTabSz="914400" rtl="0" eaLnBrk="1" latinLnBrk="0" hangingPunct="1">
+              <a:lnSpc>
+                <a:spcPct val="90000"/>
+              </a:lnSpc>
+              <a:spcBef>
+                <a:spcPts val="1000"/>
+              </a:spcBef>
+              <a:buFont typeface="Arial" panose="020B0604020202020204" pitchFamily="34" charset="0"/>
+              <a:buNone/>
+              <a:defRPr sz="3200" kern="1200">
+                <a:solidFill>
+                  <a:schemeClr val="bg1"/>
+                </a:solidFill>
+                <a:latin typeface="+mn-lt"/>
+                <a:ea typeface="+mn-ea"/>
+                <a:cs typeface="+mn-cs"/>
+              </a:defRPr>
+            </a:lvl1pPr>
+            <a:lvl2pPr marL="457200" indent="0" algn="ctr" defTabSz="914400" rtl="0" eaLnBrk="1" latinLnBrk="0" hangingPunct="1">
+              <a:lnSpc>
+                <a:spcPct val="90000"/>
+              </a:lnSpc>
+              <a:spcBef>
+                <a:spcPts val="500"/>
+              </a:spcBef>
+              <a:buFont typeface="Arial" panose="020B0604020202020204" pitchFamily="34" charset="0"/>
+              <a:buNone/>
+              <a:defRPr sz="2000" kern="1200">
+                <a:solidFill>
+                  <a:schemeClr val="tx1"/>
+                </a:solidFill>
+                <a:latin typeface="+mn-lt"/>
+                <a:ea typeface="+mn-ea"/>
+                <a:cs typeface="+mn-cs"/>
+              </a:defRPr>
+            </a:lvl2pPr>
+            <a:lvl3pPr marL="914400" indent="0" algn="ctr" defTabSz="914400" rtl="0" eaLnBrk="1" latinLnBrk="0" hangingPunct="1">
+              <a:lnSpc>
+                <a:spcPct val="90000"/>
+              </a:lnSpc>
+              <a:spcBef>
+                <a:spcPts val="500"/>
+              </a:spcBef>
+              <a:buFont typeface="Arial" panose="020B0604020202020204" pitchFamily="34" charset="0"/>
+              <a:buNone/>
+              <a:defRPr sz="1800" kern="1200">
+                <a:solidFill>
+                  <a:schemeClr val="tx1"/>
+                </a:solidFill>
+                <a:latin typeface="+mn-lt"/>
+                <a:ea typeface="+mn-ea"/>
+                <a:cs typeface="+mn-cs"/>
+              </a:defRPr>
+            </a:lvl3pPr>
+            <a:lvl4pPr marL="1371600" indent="0" algn="ctr" defTabSz="914400" rtl="0" eaLnBrk="1" latinLnBrk="0" hangingPunct="1">
+              <a:lnSpc>
+                <a:spcPct val="90000"/>
+              </a:lnSpc>
+              <a:spcBef>
+                <a:spcPts val="500"/>
+              </a:spcBef>
+              <a:buFont typeface="Arial" panose="020B0604020202020204" pitchFamily="34" charset="0"/>
+              <a:buNone/>
+              <a:defRPr sz="1600" kern="1200">
+                <a:solidFill>
+                  <a:schemeClr val="tx1"/>
+                </a:solidFill>
+                <a:latin typeface="+mn-lt"/>
+                <a:ea typeface="+mn-ea"/>
+                <a:cs typeface="+mn-cs"/>
+              </a:defRPr>
+            </a:lvl4pPr>
+            <a:lvl5pPr marL="1828800" indent="0" algn="ctr" defTabSz="914400" rtl="0" eaLnBrk="1" latinLnBrk="0" hangingPunct="1">
+              <a:lnSpc>
+                <a:spcPct val="90000"/>
+              </a:lnSpc>
+              <a:spcBef>
+                <a:spcPts val="500"/>
+              </a:spcBef>
+              <a:buFont typeface="Arial" panose="020B0604020202020204" pitchFamily="34" charset="0"/>
+              <a:buNone/>
+              <a:defRPr sz="1600" kern="1200">
+                <a:solidFill>
+                  <a:schemeClr val="tx1"/>
+                </a:solidFill>
+                <a:latin typeface="+mn-lt"/>
+                <a:ea typeface="+mn-ea"/>
+                <a:cs typeface="+mn-cs"/>
+              </a:defRPr>
+            </a:lvl5pPr>
+            <a:lvl6pPr marL="2286000" indent="0" algn="ctr" defTabSz="914400" rtl="0" eaLnBrk="1" latinLnBrk="0" hangingPunct="1">
+              <a:lnSpc>
+                <a:spcPct val="90000"/>
+              </a:lnSpc>
+              <a:spcBef>
+                <a:spcPts val="500"/>
+              </a:spcBef>
+              <a:buFont typeface="Arial" panose="020B0604020202020204" pitchFamily="34" charset="0"/>
+              <a:buNone/>
+              <a:defRPr sz="1600" kern="1200">
+                <a:solidFill>
+                  <a:schemeClr val="tx1"/>
+                </a:solidFill>
+                <a:latin typeface="+mn-lt"/>
+                <a:ea typeface="+mn-ea"/>
+                <a:cs typeface="+mn-cs"/>
+              </a:defRPr>
+            </a:lvl6pPr>
+            <a:lvl7pPr marL="2743200" indent="0" algn="ctr" defTabSz="914400" rtl="0" eaLnBrk="1" latinLnBrk="0" hangingPunct="1">
+              <a:lnSpc>
+                <a:spcPct val="90000"/>
+              </a:lnSpc>
+              <a:spcBef>
+                <a:spcPts val="500"/>
+              </a:spcBef>
+              <a:buFont typeface="Arial" panose="020B0604020202020204" pitchFamily="34" charset="0"/>
+              <a:buNone/>
+              <a:defRPr sz="1600" kern="1200">
+                <a:solidFill>
+                  <a:schemeClr val="tx1"/>
+                </a:solidFill>
+                <a:latin typeface="+mn-lt"/>
+                <a:ea typeface="+mn-ea"/>
+                <a:cs typeface="+mn-cs"/>
+              </a:defRPr>
+            </a:lvl7pPr>
+            <a:lvl8pPr marL="3200400" indent="0" algn="ctr" defTabSz="914400" rtl="0" eaLnBrk="1" latinLnBrk="0" hangingPunct="1">
+              <a:lnSpc>
+                <a:spcPct val="90000"/>
+              </a:lnSpc>
+              <a:spcBef>
+                <a:spcPts val="500"/>
+              </a:spcBef>
+              <a:buFont typeface="Arial" panose="020B0604020202020204" pitchFamily="34" charset="0"/>
+              <a:buNone/>
+              <a:defRPr sz="1600" kern="1200">
+                <a:solidFill>
+                  <a:schemeClr val="tx1"/>
+                </a:solidFill>
+                <a:latin typeface="+mn-lt"/>
+                <a:ea typeface="+mn-ea"/>
+                <a:cs typeface="+mn-cs"/>
+              </a:defRPr>
+            </a:lvl8pPr>
+            <a:lvl9pPr marL="3657600" indent="0" algn="ctr" defTabSz="914400" rtl="0" eaLnBrk="1" latinLnBrk="0" hangingPunct="1">
+              <a:lnSpc>
+                <a:spcPct val="90000"/>
+              </a:lnSpc>
+              <a:spcBef>
+                <a:spcPts val="500"/>
+              </a:spcBef>
+              <a:buFont typeface="Arial" panose="020B0604020202020204" pitchFamily="34" charset="0"/>
+              <a:buNone/>
+              <a:defRPr sz="1600" kern="1200">
+                <a:solidFill>
+                  <a:schemeClr val="tx1"/>
+                </a:solidFill>
+                <a:latin typeface="+mn-lt"/>
+                <a:ea typeface="+mn-ea"/>
+                <a:cs typeface="+mn-cs"/>
+              </a:defRPr>
+            </a:lvl9pPr>
+          </a:lstStyle>
+          <a:p>
+            <a:pPr marL="342900" indent="-342900">
+              <a:buFontTx/>
+              <a:buChar char="-"/>
+            </a:pPr>
+            <a:r>
+              <a:rPr lang="en-US" dirty="0">
+                <a:solidFill>
+                  <a:schemeClr val="bg1"/>
+                </a:solidFill>
+              </a:rPr>
+              <a:t>data analytics techniques</a:t>
+            </a:r>
+          </a:p>
+          <a:p>
+            <a:pPr marL="342900" indent="-342900">
+              <a:buFontTx/>
+              <a:buChar char="-"/>
+            </a:pPr>
+            <a:r>
+              <a:rPr lang="en-US" dirty="0">
+                <a:solidFill>
+                  <a:schemeClr val="bg1"/>
+                </a:solidFill>
+              </a:rPr>
+              <a:t>Clean and transform data</a:t>
+            </a:r>
+          </a:p>
+          <a:p>
+            <a:pPr marL="342900" indent="-342900">
+              <a:buFontTx/>
+              <a:buChar char="-"/>
+            </a:pPr>
+            <a:r>
+              <a:rPr lang="en-US" dirty="0">
+                <a:solidFill>
+                  <a:schemeClr val="bg1"/>
+                </a:solidFill>
+              </a:rPr>
+              <a:t>models using statistical techniques</a:t>
+            </a:r>
+          </a:p>
+          <a:p>
+            <a:pPr marL="342900" indent="-342900">
+              <a:buFontTx/>
+              <a:buChar char="-"/>
+            </a:pPr>
+            <a:r>
+              <a:rPr lang="en-US" dirty="0">
+                <a:solidFill>
+                  <a:schemeClr val="bg1"/>
+                </a:solidFill>
+              </a:rPr>
+              <a:t>data visualization tools</a:t>
+            </a:r>
+          </a:p>
+          <a:p>
+            <a:pPr marL="342900" indent="-342900">
+              <a:buFontTx/>
+              <a:buChar char="-"/>
+            </a:pPr>
+            <a:r>
+              <a:rPr lang="en-US" dirty="0">
+                <a:solidFill>
+                  <a:schemeClr val="bg1"/>
+                </a:solidFill>
+              </a:rPr>
+              <a:t>Evaluate and interpret results</a:t>
+            </a:r>
+          </a:p>
+          <a:p>
+            <a:pPr marL="342900" indent="-342900">
+              <a:buFontTx/>
+              <a:buChar char="-"/>
+            </a:pPr>
+            <a:r>
+              <a:rPr lang="en-US" dirty="0"/>
+              <a:t>Machine Learning</a:t>
+            </a:r>
+            <a:endParaRPr lang="en-US" dirty="0">
+              <a:solidFill>
+                <a:schemeClr val="bg1"/>
+              </a:solidFill>
+            </a:endParaRPr>
+          </a:p>
+        </p:txBody>
+      </p:sp>
     </p:spTree>
     <p:extLst>
       <p:ext uri="{BB962C8B-B14F-4D97-AF65-F5344CB8AC3E}">
-        <p14:creationId xmlns:p14="http://schemas.microsoft.com/office/powerpoint/2010/main" val="287974240"/>
+        <p14:creationId xmlns:p14="http://schemas.microsoft.com/office/powerpoint/2010/main" val="88928623"/>
       </p:ext>
     </p:extLst>
   </p:cSld>
@@ -15341,337 +15694,70 @@
           <p:cNvPr id="2" name="Title 1">
             <a:extLst>
               <a:ext uri="{FF2B5EF4-FFF2-40B4-BE49-F238E27FC236}">
-                <a16:creationId xmlns:a16="http://schemas.microsoft.com/office/drawing/2014/main" id="{945202A2-32E2-5EAE-AB6C-606B60C685B1}"/>
-              </a:ext>
-            </a:extLst>
-          </p:cNvPr>
-          <p:cNvSpPr txBox="1">
-            <a:spLocks/>
+                <a16:creationId xmlns:a16="http://schemas.microsoft.com/office/drawing/2014/main" id="{69FAE308-3076-43DB-B834-DA0B0AE19AF9}"/>
+              </a:ext>
+            </a:extLst>
+          </p:cNvPr>
+          <p:cNvSpPr>
+            <a:spLocks noGrp="1"/>
           </p:cNvSpPr>
-          <p:nvPr/>
-        </p:nvSpPr>
-        <p:spPr>
-          <a:xfrm>
-            <a:off x="1024590" y="443345"/>
-            <a:ext cx="9512012" cy="760760"/>
-          </a:xfrm>
-          <a:prstGeom prst="rect">
-            <a:avLst/>
-          </a:prstGeom>
-        </p:spPr>
-        <p:txBody>
-          <a:bodyPr vert="horz" lIns="91440" tIns="45720" rIns="91440" bIns="45720" rtlCol="0" anchor="b">
-            <a:noAutofit/>
-          </a:bodyPr>
-          <a:lstStyle>
-            <a:lvl1pPr algn="l" defTabSz="914400" rtl="0" eaLnBrk="1" latinLnBrk="0" hangingPunct="1">
-              <a:lnSpc>
-                <a:spcPct val="90000"/>
-              </a:lnSpc>
-              <a:spcBef>
-                <a:spcPct val="0"/>
-              </a:spcBef>
-              <a:buNone/>
-              <a:defRPr sz="6000" b="1" kern="1200">
-                <a:solidFill>
-                  <a:schemeClr val="bg1"/>
-                </a:solidFill>
-                <a:latin typeface="+mj-lt"/>
-                <a:ea typeface="+mj-ea"/>
-                <a:cs typeface="+mj-cs"/>
-              </a:defRPr>
-            </a:lvl1pPr>
-          </a:lstStyle>
-          <a:p>
-            <a:r>
-              <a:rPr lang="en-US" sz="4000" dirty="0"/>
-              <a:t>Conclusion:</a:t>
-            </a:r>
-          </a:p>
-        </p:txBody>
-      </p:sp>
-      <p:sp>
-        <p:nvSpPr>
-          <p:cNvPr id="4" name="Content Placeholder 2">
-            <a:extLst>
-              <a:ext uri="{FF2B5EF4-FFF2-40B4-BE49-F238E27FC236}">
-                <a16:creationId xmlns:a16="http://schemas.microsoft.com/office/drawing/2014/main" id="{D74B81D9-77FF-6474-D104-7C6702BBA3BF}"/>
-              </a:ext>
-            </a:extLst>
-          </p:cNvPr>
-          <p:cNvSpPr txBox="1">
-            <a:spLocks/>
+          <p:nvPr>
+            <p:ph type="ctrTitle"/>
+          </p:nvPr>
+        </p:nvSpPr>
+        <p:spPr>
+          <a:xfrm>
+            <a:off x="1167494" y="1122363"/>
+            <a:ext cx="6220278" cy="2387600"/>
+          </a:xfrm>
+        </p:spPr>
+        <p:txBody>
+          <a:bodyPr/>
+          <a:lstStyle/>
+          <a:p>
+            <a:r>
+              <a:rPr lang="en-US" dirty="0"/>
+              <a:t>Thank you</a:t>
+            </a:r>
+          </a:p>
+        </p:txBody>
+      </p:sp>
+      <p:sp>
+        <p:nvSpPr>
+          <p:cNvPr id="3" name="Content Placeholder 2">
+            <a:extLst>
+              <a:ext uri="{FF2B5EF4-FFF2-40B4-BE49-F238E27FC236}">
+                <a16:creationId xmlns:a16="http://schemas.microsoft.com/office/drawing/2014/main" id="{BABC2CE0-8806-4B2A-A10A-32984D317434}"/>
+              </a:ext>
+            </a:extLst>
+          </p:cNvPr>
+          <p:cNvSpPr>
+            <a:spLocks noGrp="1"/>
           </p:cNvSpPr>
-          <p:nvPr/>
-        </p:nvSpPr>
-        <p:spPr>
-          <a:xfrm>
-            <a:off x="1024590" y="1469443"/>
-            <a:ext cx="9779183" cy="3436483"/>
-          </a:xfrm>
-          <a:prstGeom prst="rect">
-            <a:avLst/>
-          </a:prstGeom>
-        </p:spPr>
-        <p:txBody>
-          <a:bodyPr vert="horz" lIns="91440" tIns="45720" rIns="91440" bIns="45720" rtlCol="0" anchor="t">
+          <p:nvPr>
+            <p:ph type="subTitle" idx="1"/>
+          </p:nvPr>
+        </p:nvSpPr>
+        <p:spPr>
+          <a:xfrm>
+            <a:off x="1167493" y="3602038"/>
+            <a:ext cx="6220277" cy="2247219"/>
+          </a:xfrm>
+        </p:spPr>
+        <p:txBody>
+          <a:bodyPr>
             <a:normAutofit/>
           </a:bodyPr>
-          <a:lstStyle>
-            <a:lvl1pPr marL="0" indent="0" algn="l" defTabSz="914400" rtl="0" eaLnBrk="1" latinLnBrk="0" hangingPunct="1">
-              <a:lnSpc>
-                <a:spcPct val="90000"/>
-              </a:lnSpc>
-              <a:spcBef>
-                <a:spcPts val="1000"/>
-              </a:spcBef>
-              <a:buFont typeface="Arial" panose="020B0604020202020204" pitchFamily="34" charset="0"/>
-              <a:buNone/>
-              <a:defRPr sz="3200" kern="1200">
-                <a:solidFill>
-                  <a:schemeClr val="bg1"/>
-                </a:solidFill>
-                <a:latin typeface="+mn-lt"/>
-                <a:ea typeface="+mn-ea"/>
-                <a:cs typeface="+mn-cs"/>
-              </a:defRPr>
-            </a:lvl1pPr>
-            <a:lvl2pPr marL="457200" indent="0" algn="ctr" defTabSz="914400" rtl="0" eaLnBrk="1" latinLnBrk="0" hangingPunct="1">
-              <a:lnSpc>
-                <a:spcPct val="90000"/>
-              </a:lnSpc>
-              <a:spcBef>
-                <a:spcPts val="500"/>
-              </a:spcBef>
-              <a:buFont typeface="Arial" panose="020B0604020202020204" pitchFamily="34" charset="0"/>
-              <a:buNone/>
-              <a:defRPr sz="2000" kern="1200">
-                <a:solidFill>
-                  <a:schemeClr val="tx1"/>
-                </a:solidFill>
-                <a:latin typeface="+mn-lt"/>
-                <a:ea typeface="+mn-ea"/>
-                <a:cs typeface="+mn-cs"/>
-              </a:defRPr>
-            </a:lvl2pPr>
-            <a:lvl3pPr marL="914400" indent="0" algn="ctr" defTabSz="914400" rtl="0" eaLnBrk="1" latinLnBrk="0" hangingPunct="1">
-              <a:lnSpc>
-                <a:spcPct val="90000"/>
-              </a:lnSpc>
-              <a:spcBef>
-                <a:spcPts val="500"/>
-              </a:spcBef>
-              <a:buFont typeface="Arial" panose="020B0604020202020204" pitchFamily="34" charset="0"/>
-              <a:buNone/>
-              <a:defRPr sz="1800" kern="1200">
-                <a:solidFill>
-                  <a:schemeClr val="tx1"/>
-                </a:solidFill>
-                <a:latin typeface="+mn-lt"/>
-                <a:ea typeface="+mn-ea"/>
-                <a:cs typeface="+mn-cs"/>
-              </a:defRPr>
-            </a:lvl3pPr>
-            <a:lvl4pPr marL="1371600" indent="0" algn="ctr" defTabSz="914400" rtl="0" eaLnBrk="1" latinLnBrk="0" hangingPunct="1">
-              <a:lnSpc>
-                <a:spcPct val="90000"/>
-              </a:lnSpc>
-              <a:spcBef>
-                <a:spcPts val="500"/>
-              </a:spcBef>
-              <a:buFont typeface="Arial" panose="020B0604020202020204" pitchFamily="34" charset="0"/>
-              <a:buNone/>
-              <a:defRPr sz="1600" kern="1200">
-                <a:solidFill>
-                  <a:schemeClr val="tx1"/>
-                </a:solidFill>
-                <a:latin typeface="+mn-lt"/>
-                <a:ea typeface="+mn-ea"/>
-                <a:cs typeface="+mn-cs"/>
-              </a:defRPr>
-            </a:lvl4pPr>
-            <a:lvl5pPr marL="1828800" indent="0" algn="ctr" defTabSz="914400" rtl="0" eaLnBrk="1" latinLnBrk="0" hangingPunct="1">
-              <a:lnSpc>
-                <a:spcPct val="90000"/>
-              </a:lnSpc>
-              <a:spcBef>
-                <a:spcPts val="500"/>
-              </a:spcBef>
-              <a:buFont typeface="Arial" panose="020B0604020202020204" pitchFamily="34" charset="0"/>
-              <a:buNone/>
-              <a:defRPr sz="1600" kern="1200">
-                <a:solidFill>
-                  <a:schemeClr val="tx1"/>
-                </a:solidFill>
-                <a:latin typeface="+mn-lt"/>
-                <a:ea typeface="+mn-ea"/>
-                <a:cs typeface="+mn-cs"/>
-              </a:defRPr>
-            </a:lvl5pPr>
-            <a:lvl6pPr marL="2286000" indent="0" algn="ctr" defTabSz="914400" rtl="0" eaLnBrk="1" latinLnBrk="0" hangingPunct="1">
-              <a:lnSpc>
-                <a:spcPct val="90000"/>
-              </a:lnSpc>
-              <a:spcBef>
-                <a:spcPts val="500"/>
-              </a:spcBef>
-              <a:buFont typeface="Arial" panose="020B0604020202020204" pitchFamily="34" charset="0"/>
-              <a:buNone/>
-              <a:defRPr sz="1600" kern="1200">
-                <a:solidFill>
-                  <a:schemeClr val="tx1"/>
-                </a:solidFill>
-                <a:latin typeface="+mn-lt"/>
-                <a:ea typeface="+mn-ea"/>
-                <a:cs typeface="+mn-cs"/>
-              </a:defRPr>
-            </a:lvl6pPr>
-            <a:lvl7pPr marL="2743200" indent="0" algn="ctr" defTabSz="914400" rtl="0" eaLnBrk="1" latinLnBrk="0" hangingPunct="1">
-              <a:lnSpc>
-                <a:spcPct val="90000"/>
-              </a:lnSpc>
-              <a:spcBef>
-                <a:spcPts val="500"/>
-              </a:spcBef>
-              <a:buFont typeface="Arial" panose="020B0604020202020204" pitchFamily="34" charset="0"/>
-              <a:buNone/>
-              <a:defRPr sz="1600" kern="1200">
-                <a:solidFill>
-                  <a:schemeClr val="tx1"/>
-                </a:solidFill>
-                <a:latin typeface="+mn-lt"/>
-                <a:ea typeface="+mn-ea"/>
-                <a:cs typeface="+mn-cs"/>
-              </a:defRPr>
-            </a:lvl7pPr>
-            <a:lvl8pPr marL="3200400" indent="0" algn="ctr" defTabSz="914400" rtl="0" eaLnBrk="1" latinLnBrk="0" hangingPunct="1">
-              <a:lnSpc>
-                <a:spcPct val="90000"/>
-              </a:lnSpc>
-              <a:spcBef>
-                <a:spcPts val="500"/>
-              </a:spcBef>
-              <a:buFont typeface="Arial" panose="020B0604020202020204" pitchFamily="34" charset="0"/>
-              <a:buNone/>
-              <a:defRPr sz="1600" kern="1200">
-                <a:solidFill>
-                  <a:schemeClr val="tx1"/>
-                </a:solidFill>
-                <a:latin typeface="+mn-lt"/>
-                <a:ea typeface="+mn-ea"/>
-                <a:cs typeface="+mn-cs"/>
-              </a:defRPr>
-            </a:lvl8pPr>
-            <a:lvl9pPr marL="3657600" indent="0" algn="ctr" defTabSz="914400" rtl="0" eaLnBrk="1" latinLnBrk="0" hangingPunct="1">
-              <a:lnSpc>
-                <a:spcPct val="90000"/>
-              </a:lnSpc>
-              <a:spcBef>
-                <a:spcPts val="500"/>
-              </a:spcBef>
-              <a:buFont typeface="Arial" panose="020B0604020202020204" pitchFamily="34" charset="0"/>
-              <a:buNone/>
-              <a:defRPr sz="1600" kern="1200">
-                <a:solidFill>
-                  <a:schemeClr val="tx1"/>
-                </a:solidFill>
-                <a:latin typeface="+mn-lt"/>
-                <a:ea typeface="+mn-ea"/>
-                <a:cs typeface="+mn-cs"/>
-              </a:defRPr>
-            </a:lvl9pPr>
-          </a:lstStyle>
-          <a:p>
-            <a:pPr marL="342900" indent="-342900">
-              <a:buFontTx/>
-              <a:buChar char="-"/>
-            </a:pPr>
-            <a:r>
-              <a:rPr lang="en-US" dirty="0">
-                <a:solidFill>
-                  <a:schemeClr val="bg1"/>
-                </a:solidFill>
-              </a:rPr>
-              <a:t>data analytics techniques</a:t>
-            </a:r>
-          </a:p>
-          <a:p>
-            <a:pPr marL="342900" indent="-342900">
-              <a:buFontTx/>
-              <a:buChar char="-"/>
-            </a:pPr>
-            <a:r>
-              <a:rPr lang="en-US" dirty="0">
-                <a:solidFill>
-                  <a:schemeClr val="bg1"/>
-                </a:solidFill>
-              </a:rPr>
-              <a:t>Clean and transform data</a:t>
-            </a:r>
-          </a:p>
-          <a:p>
-            <a:pPr marL="342900" indent="-342900">
-              <a:buFontTx/>
-              <a:buChar char="-"/>
-            </a:pPr>
-            <a:r>
-              <a:rPr lang="en-US" dirty="0">
-                <a:solidFill>
-                  <a:schemeClr val="bg1"/>
-                </a:solidFill>
-              </a:rPr>
-              <a:t>models using statistical techniques</a:t>
-            </a:r>
-          </a:p>
-          <a:p>
-            <a:pPr marL="342900" indent="-342900">
-              <a:buFontTx/>
-              <a:buChar char="-"/>
-            </a:pPr>
-            <a:r>
-              <a:rPr lang="en-US" dirty="0">
-                <a:solidFill>
-                  <a:schemeClr val="bg1"/>
-                </a:solidFill>
-              </a:rPr>
-              <a:t>data visualization tools</a:t>
-            </a:r>
-          </a:p>
-          <a:p>
-            <a:pPr marL="342900" indent="-342900">
-              <a:buFontTx/>
-              <a:buChar char="-"/>
-            </a:pPr>
-            <a:r>
-              <a:rPr lang="en-US" dirty="0">
-                <a:solidFill>
-                  <a:schemeClr val="bg1"/>
-                </a:solidFill>
-              </a:rPr>
-              <a:t>Evaluate and interpret results</a:t>
-            </a:r>
-          </a:p>
-          <a:p>
-            <a:pPr marL="342900" indent="-342900">
-              <a:buFontTx/>
-              <a:buChar char="-"/>
-            </a:pPr>
-            <a:r>
-              <a:rPr lang="en-US" dirty="0"/>
-              <a:t>Machine Learning</a:t>
-            </a:r>
-            <a:endParaRPr lang="en-US" dirty="0">
-              <a:solidFill>
-                <a:schemeClr val="bg1"/>
-              </a:solidFill>
-            </a:endParaRPr>
+          <a:lstStyle/>
+          <a:p>
+            <a:endParaRPr lang="en-US" dirty="0"/>
           </a:p>
         </p:txBody>
       </p:sp>
     </p:spTree>
     <p:extLst>
       <p:ext uri="{BB962C8B-B14F-4D97-AF65-F5344CB8AC3E}">
-        <p14:creationId xmlns:p14="http://schemas.microsoft.com/office/powerpoint/2010/main" val="88928623"/>
+        <p14:creationId xmlns:p14="http://schemas.microsoft.com/office/powerpoint/2010/main" val="926184573"/>
       </p:ext>
     </p:extLst>
   </p:cSld>
@@ -16178,23 +16264,6 @@
 </file>
 
 <file path=customXml/item1.xml><?xml version="1.0" encoding="utf-8"?>
-<p:properties xmlns:p="http://schemas.microsoft.com/office/2006/metadata/properties" xmlns:xsi="http://www.w3.org/2001/XMLSchema-instance" xmlns:pc="http://schemas.microsoft.com/office/infopath/2007/PartnerControls">
-  <documentManagement>
-    <_activity xmlns="b456dd2d-30b5-4f90-a4ec-9f1092f06556" xsi:nil="true"/>
-  </documentManagement>
-</p:properties>
-</file>
-
-<file path=customXml/item2.xml><?xml version="1.0" encoding="utf-8"?>
-<?mso-contentType ?>
-<FormTemplates xmlns="http://schemas.microsoft.com/sharepoint/v3/contenttype/forms">
-  <Display>DocumentLibraryForm</Display>
-  <Edit>DocumentLibraryForm</Edit>
-  <New>DocumentLibraryForm</New>
-</FormTemplates>
-</file>
-
-<file path=customXml/item3.xml><?xml version="1.0" encoding="utf-8"?>
 <ct:contentTypeSchema xmlns:ct="http://schemas.microsoft.com/office/2006/metadata/contentType" xmlns:ma="http://schemas.microsoft.com/office/2006/metadata/properties/metaAttributes" ct:_="" ma:_="" ma:contentTypeName="Document" ma:contentTypeID="0x01010060B948844454334995E2C6C8A450A42F" ma:contentTypeVersion="14" ma:contentTypeDescription="Create a new document." ma:contentTypeScope="" ma:versionID="f07a78e5c7027a454755dbfd75f611a2">
   <xsd:schema xmlns:xsd="http://www.w3.org/2001/XMLSchema" xmlns:xs="http://www.w3.org/2001/XMLSchema" xmlns:p="http://schemas.microsoft.com/office/2006/metadata/properties" xmlns:ns3="b456dd2d-30b5-4f90-a4ec-9f1092f06556" xmlns:ns4="6c07e9fe-7cbe-4201-903b-b605f386dfc1" targetNamespace="http://schemas.microsoft.com/office/2006/metadata/properties" ma:root="true" ma:fieldsID="11e2de0ccb9701d56b72b92a63183972" ns3:_="" ns4:_="">
     <xsd:import namespace="b456dd2d-30b5-4f90-a4ec-9f1092f06556"/>
@@ -16421,32 +16490,24 @@
 </ct:contentTypeSchema>
 </file>
 
-<file path=customXml/itemProps1.xml><?xml version="1.0" encoding="utf-8"?>
-<ds:datastoreItem xmlns:ds="http://schemas.openxmlformats.org/officeDocument/2006/customXml" ds:itemID="{1342FAFE-88B4-49B4-9588-86CB0E564E50}">
-  <ds:schemaRefs>
-    <ds:schemaRef ds:uri="http://purl.org/dc/elements/1.1/"/>
-    <ds:schemaRef ds:uri="http://schemas.microsoft.com/office/2006/documentManagement/types"/>
-    <ds:schemaRef ds:uri="http://purl.org/dc/terms/"/>
-    <ds:schemaRef ds:uri="6c07e9fe-7cbe-4201-903b-b605f386dfc1"/>
-    <ds:schemaRef ds:uri="http://schemas.openxmlformats.org/package/2006/metadata/core-properties"/>
-    <ds:schemaRef ds:uri="http://www.w3.org/XML/1998/namespace"/>
-    <ds:schemaRef ds:uri="http://schemas.microsoft.com/office/2006/metadata/properties"/>
-    <ds:schemaRef ds:uri="b456dd2d-30b5-4f90-a4ec-9f1092f06556"/>
-    <ds:schemaRef ds:uri="http://schemas.microsoft.com/office/infopath/2007/PartnerControls"/>
-    <ds:schemaRef ds:uri="http://purl.org/dc/dcmitype/"/>
-  </ds:schemaRefs>
-</ds:datastoreItem>
+<file path=customXml/item2.xml><?xml version="1.0" encoding="utf-8"?>
+<?mso-contentType ?>
+<FormTemplates xmlns="http://schemas.microsoft.com/sharepoint/v3/contenttype/forms">
+  <Display>DocumentLibraryForm</Display>
+  <Edit>DocumentLibraryForm</Edit>
+  <New>DocumentLibraryForm</New>
+</FormTemplates>
 </file>
 
-<file path=customXml/itemProps2.xml><?xml version="1.0" encoding="utf-8"?>
-<ds:datastoreItem xmlns:ds="http://schemas.openxmlformats.org/officeDocument/2006/customXml" ds:itemID="{42076B5C-85B0-4D30-852D-5E5312EEA93B}">
-  <ds:schemaRefs>
-    <ds:schemaRef ds:uri="http://schemas.microsoft.com/sharepoint/v3/contenttype/forms"/>
-  </ds:schemaRefs>
-</ds:datastoreItem>
+<file path=customXml/item3.xml><?xml version="1.0" encoding="utf-8"?>
+<p:properties xmlns:p="http://schemas.microsoft.com/office/2006/metadata/properties" xmlns:xsi="http://www.w3.org/2001/XMLSchema-instance" xmlns:pc="http://schemas.microsoft.com/office/infopath/2007/PartnerControls">
+  <documentManagement>
+    <_activity xmlns="b456dd2d-30b5-4f90-a4ec-9f1092f06556" xsi:nil="true"/>
+  </documentManagement>
+</p:properties>
 </file>
 
-<file path=customXml/itemProps3.xml><?xml version="1.0" encoding="utf-8"?>
+<file path=customXml/itemProps1.xml><?xml version="1.0" encoding="utf-8"?>
 <ds:datastoreItem xmlns:ds="http://schemas.openxmlformats.org/officeDocument/2006/customXml" ds:itemID="{FFD034CD-738E-48F5-98F2-C6A7371842F1}">
   <ds:schemaRefs>
     <ds:schemaRef ds:uri="http://schemas.microsoft.com/office/2006/metadata/contentType"/>
@@ -16465,6 +16526,31 @@
 </ds:datastoreItem>
 </file>
 
+<file path=customXml/itemProps2.xml><?xml version="1.0" encoding="utf-8"?>
+<ds:datastoreItem xmlns:ds="http://schemas.openxmlformats.org/officeDocument/2006/customXml" ds:itemID="{42076B5C-85B0-4D30-852D-5E5312EEA93B}">
+  <ds:schemaRefs>
+    <ds:schemaRef ds:uri="http://schemas.microsoft.com/sharepoint/v3/contenttype/forms"/>
+  </ds:schemaRefs>
+</ds:datastoreItem>
+</file>
+
+<file path=customXml/itemProps3.xml><?xml version="1.0" encoding="utf-8"?>
+<ds:datastoreItem xmlns:ds="http://schemas.openxmlformats.org/officeDocument/2006/customXml" ds:itemID="{1342FAFE-88B4-49B4-9588-86CB0E564E50}">
+  <ds:schemaRefs>
+    <ds:schemaRef ds:uri="b456dd2d-30b5-4f90-a4ec-9f1092f06556"/>
+    <ds:schemaRef ds:uri="http://schemas.openxmlformats.org/package/2006/metadata/core-properties"/>
+    <ds:schemaRef ds:uri="6c07e9fe-7cbe-4201-903b-b605f386dfc1"/>
+    <ds:schemaRef ds:uri="http://www.w3.org/XML/1998/namespace"/>
+    <ds:schemaRef ds:uri="http://purl.org/dc/elements/1.1/"/>
+    <ds:schemaRef ds:uri="http://schemas.microsoft.com/office/2006/documentManagement/types"/>
+    <ds:schemaRef ds:uri="http://schemas.microsoft.com/office/2006/metadata/properties"/>
+    <ds:schemaRef ds:uri="http://purl.org/dc/terms/"/>
+    <ds:schemaRef ds:uri="http://schemas.microsoft.com/office/infopath/2007/PartnerControls"/>
+    <ds:schemaRef ds:uri="http://purl.org/dc/dcmitype/"/>
+  </ds:schemaRefs>
+</ds:datastoreItem>
+</file>
+
 <file path=docMetadata/LabelInfo.xml><?xml version="1.0" encoding="utf-8"?>
 <clbl:labelList xmlns:clbl="http://schemas.microsoft.com/office/2020/mipLabelMetadata"/>
 </file>